--- a/cstahl_ehirsch_kfarmer_poster.pptx
+++ b/cstahl_ehirsch_kfarmer_poster.pptx
@@ -106,7 +106,7 @@
   </p:defaultTextStyle>
   <p:extLst>
     <p:ext uri="{EFAFB233-063F-42B5-8137-9DF3F51BA10A}">
-      <p15:sldGuideLst xmlns:p15="http://schemas.microsoft.com/office/powerpoint/2012/main" xmlns="">
+      <p15:sldGuideLst xmlns="" xmlns:p15="http://schemas.microsoft.com/office/powerpoint/2012/main">
         <p15:guide id="1" orient="horz" pos="18990" userDrawn="1">
           <p15:clr>
             <a:srgbClr val="A4A3A4"/>
@@ -315,7 +315,7 @@
             <a:fld id="{43B08D0C-1E73-0A4F-82D9-254A22936925}" type="datetimeFigureOut">
               <a:rPr lang="en-US" smtClean="0"/>
               <a:pPr/>
-              <a:t>5/11/17</a:t>
+              <a:t>5/12/17</a:t>
             </a:fld>
             <a:endParaRPr lang="en-US"/>
           </a:p>
@@ -487,7 +487,7 @@
             <a:fld id="{43B08D0C-1E73-0A4F-82D9-254A22936925}" type="datetimeFigureOut">
               <a:rPr lang="en-US" smtClean="0"/>
               <a:pPr/>
-              <a:t>5/11/17</a:t>
+              <a:t>5/12/17</a:t>
             </a:fld>
             <a:endParaRPr lang="en-US"/>
           </a:p>
@@ -669,7 +669,7 @@
             <a:fld id="{43B08D0C-1E73-0A4F-82D9-254A22936925}" type="datetimeFigureOut">
               <a:rPr lang="en-US" smtClean="0"/>
               <a:pPr/>
-              <a:t>5/11/17</a:t>
+              <a:t>5/12/17</a:t>
             </a:fld>
             <a:endParaRPr lang="en-US"/>
           </a:p>
@@ -841,7 +841,7 @@
             <a:fld id="{43B08D0C-1E73-0A4F-82D9-254A22936925}" type="datetimeFigureOut">
               <a:rPr lang="en-US" smtClean="0"/>
               <a:pPr/>
-              <a:t>5/11/17</a:t>
+              <a:t>5/12/17</a:t>
             </a:fld>
             <a:endParaRPr lang="en-US"/>
           </a:p>
@@ -1089,7 +1089,7 @@
             <a:fld id="{43B08D0C-1E73-0A4F-82D9-254A22936925}" type="datetimeFigureOut">
               <a:rPr lang="en-US" smtClean="0"/>
               <a:pPr/>
-              <a:t>5/11/17</a:t>
+              <a:t>5/12/17</a:t>
             </a:fld>
             <a:endParaRPr lang="en-US"/>
           </a:p>
@@ -1379,7 +1379,7 @@
             <a:fld id="{43B08D0C-1E73-0A4F-82D9-254A22936925}" type="datetimeFigureOut">
               <a:rPr lang="en-US" smtClean="0"/>
               <a:pPr/>
-              <a:t>5/11/17</a:t>
+              <a:t>5/12/17</a:t>
             </a:fld>
             <a:endParaRPr lang="en-US"/>
           </a:p>
@@ -1808,7 +1808,7 @@
             <a:fld id="{43B08D0C-1E73-0A4F-82D9-254A22936925}" type="datetimeFigureOut">
               <a:rPr lang="en-US" smtClean="0"/>
               <a:pPr/>
-              <a:t>5/11/17</a:t>
+              <a:t>5/12/17</a:t>
             </a:fld>
             <a:endParaRPr lang="en-US"/>
           </a:p>
@@ -1928,7 +1928,7 @@
             <a:fld id="{43B08D0C-1E73-0A4F-82D9-254A22936925}" type="datetimeFigureOut">
               <a:rPr lang="en-US" smtClean="0"/>
               <a:pPr/>
-              <a:t>5/11/17</a:t>
+              <a:t>5/12/17</a:t>
             </a:fld>
             <a:endParaRPr lang="en-US"/>
           </a:p>
@@ -2025,7 +2025,7 @@
             <a:fld id="{43B08D0C-1E73-0A4F-82D9-254A22936925}" type="datetimeFigureOut">
               <a:rPr lang="en-US" smtClean="0"/>
               <a:pPr/>
-              <a:t>5/11/17</a:t>
+              <a:t>5/12/17</a:t>
             </a:fld>
             <a:endParaRPr lang="en-US"/>
           </a:p>
@@ -2304,7 +2304,7 @@
             <a:fld id="{43B08D0C-1E73-0A4F-82D9-254A22936925}" type="datetimeFigureOut">
               <a:rPr lang="en-US" smtClean="0"/>
               <a:pPr/>
-              <a:t>5/11/17</a:t>
+              <a:t>5/12/17</a:t>
             </a:fld>
             <a:endParaRPr lang="en-US"/>
           </a:p>
@@ -2559,7 +2559,7 @@
             <a:fld id="{43B08D0C-1E73-0A4F-82D9-254A22936925}" type="datetimeFigureOut">
               <a:rPr lang="en-US" smtClean="0"/>
               <a:pPr/>
-              <a:t>5/11/17</a:t>
+              <a:t>5/12/17</a:t>
             </a:fld>
             <a:endParaRPr lang="en-US"/>
           </a:p>
@@ -2774,7 +2774,7 @@
             <a:fld id="{43B08D0C-1E73-0A4F-82D9-254A22936925}" type="datetimeFigureOut">
               <a:rPr lang="en-US" smtClean="0"/>
               <a:pPr/>
-              <a:t>5/11/17</a:t>
+              <a:t>5/12/17</a:t>
             </a:fld>
             <a:endParaRPr lang="en-US"/>
           </a:p>
@@ -3316,27 +3316,7 @@
                   <a:latin typeface="Avenir Book"/>
                   <a:cs typeface="Avenir Book"/>
                 </a:rPr>
-                <a:t> </a:t>
-              </a:r>
-              <a:r>
-                <a:rPr lang="en-US" sz="4800" dirty="0" smtClean="0">
-                  <a:solidFill>
-                    <a:srgbClr val="FFFFFF"/>
-                  </a:solidFill>
-                  <a:latin typeface="Avenir Book"/>
-                  <a:cs typeface="Avenir Book"/>
-                </a:rPr>
-                <a:t>Farmer              Charles Stahl                Meir </a:t>
-              </a:r>
-              <a:r>
-                <a:rPr lang="en-US" sz="4800" dirty="0" smtClean="0">
-                  <a:solidFill>
-                    <a:srgbClr val="FFFFFF"/>
-                  </a:solidFill>
-                  <a:latin typeface="Avenir Book"/>
-                  <a:cs typeface="Avenir Book"/>
-                </a:rPr>
-                <a:t>Hirsch</a:t>
+                <a:t> Farmer              Charles Stahl                Meir Hirsch</a:t>
               </a:r>
             </a:p>
             <a:p>
@@ -3389,17 +3369,7 @@
                   <a:latin typeface="Avenir Book"/>
                   <a:cs typeface="Avenir Book"/>
                 </a:rPr>
-                <a:t>                       </a:t>
-              </a:r>
-              <a:r>
-                <a:rPr lang="en-US" sz="2400" dirty="0" smtClean="0">
-                  <a:solidFill>
-                    <a:srgbClr val="FFFFFF"/>
-                  </a:solidFill>
-                  <a:latin typeface="Avenir Book"/>
-                  <a:cs typeface="Avenir Book"/>
-                </a:rPr>
-                <a:t>Department of Computer Science </a:t>
+                <a:t>                       Department of Computer Science </a:t>
               </a:r>
               <a:endParaRPr lang="en-US" sz="2400" dirty="0">
                 <a:solidFill>
@@ -3517,9 +3487,9 @@
         <p:grpSpPr>
           <a:xfrm>
             <a:off x="1528026" y="6032191"/>
-            <a:ext cx="9598566" cy="7648406"/>
+            <a:ext cx="9598566" cy="9864397"/>
             <a:chOff x="3267208" y="7048317"/>
-            <a:chExt cx="11038352" cy="8300164"/>
+            <a:chExt cx="11038352" cy="10704990"/>
           </a:xfrm>
         </p:grpSpPr>
         <p:sp>
@@ -3628,7 +3598,7 @@
           <p:spPr>
             <a:xfrm>
               <a:off x="3282911" y="8129908"/>
-              <a:ext cx="10972800" cy="567806"/>
+              <a:ext cx="10972800" cy="4896494"/>
             </a:xfrm>
             <a:prstGeom prst="rect">
               <a:avLst/>
@@ -3646,6 +3616,69 @@
                   <a:spcPct val="120000"/>
                 </a:lnSpc>
               </a:pPr>
+              <a:r>
+                <a:rPr lang="en-US" sz="2400" dirty="0" err="1" smtClean="0">
+                  <a:latin typeface="Avenir Book"/>
+                  <a:cs typeface="Avenir Book"/>
+                </a:rPr>
+                <a:t>Quora</a:t>
+              </a:r>
+              <a:r>
+                <a:rPr lang="en-US" sz="2400" dirty="0" smtClean="0">
+                  <a:latin typeface="Avenir Book"/>
+                  <a:cs typeface="Avenir Book"/>
+                </a:rPr>
+                <a:t> </a:t>
+              </a:r>
+              <a:r>
+                <a:rPr lang="en-US" sz="2400" dirty="0">
+                  <a:latin typeface="Avenir Book"/>
+                  <a:cs typeface="Avenir Book"/>
+                </a:rPr>
+                <a:t>is a website that strives to connect people from different backgrounds to be able to answer questions whose answers are "either locked in people’s heads, or only accessible to select groups" \cite{</a:t>
+              </a:r>
+              <a:r>
+                <a:rPr lang="en-US" sz="2400" dirty="0" err="1">
+                  <a:latin typeface="Avenir Book"/>
+                  <a:cs typeface="Avenir Book"/>
+                </a:rPr>
+                <a:t>quora</a:t>
+              </a:r>
+              <a:r>
+                <a:rPr lang="en-US" sz="2400" dirty="0">
+                  <a:latin typeface="Avenir Book"/>
+                  <a:cs typeface="Avenir Book"/>
+                </a:rPr>
+                <a:t>}. \_\_How popular?\_\_ Once these questions are answered, any other person should be able to find the responses. However, sometimes people are unable to find the questions they want and end up asking the same question again. This counteracts </a:t>
+              </a:r>
+              <a:r>
+                <a:rPr lang="en-US" sz="2400" dirty="0" err="1">
+                  <a:latin typeface="Avenir Book"/>
+                  <a:cs typeface="Avenir Book"/>
+                </a:rPr>
+                <a:t>Quora's</a:t>
+              </a:r>
+              <a:r>
+                <a:rPr lang="en-US" sz="2400" dirty="0">
+                  <a:latin typeface="Avenir Book"/>
+                  <a:cs typeface="Avenir Book"/>
+                </a:rPr>
+                <a:t> vision of having "only one version of each question\dots [not] a left wing version, a right wing version, a western version, and an eastern version"~\cite{</a:t>
+              </a:r>
+              <a:r>
+                <a:rPr lang="en-US" sz="2400" dirty="0" err="1">
+                  <a:latin typeface="Avenir Book"/>
+                  <a:cs typeface="Avenir Book"/>
+                </a:rPr>
+                <a:t>quora</a:t>
+              </a:r>
+              <a:r>
+                <a:rPr lang="en-US" sz="2400" dirty="0">
+                  <a:latin typeface="Avenir Book"/>
+                  <a:cs typeface="Avenir Book"/>
+                </a:rPr>
+                <a:t>}.</a:t>
+              </a:r>
               <a:endParaRPr lang="en-US" sz="2400" dirty="0">
                 <a:latin typeface="Avenir Book"/>
                 <a:cs typeface="Avenir Book"/>
@@ -3662,7 +3695,7 @@
           <p:spPr>
             <a:xfrm>
               <a:off x="3267208" y="14780675"/>
-              <a:ext cx="10972800" cy="567806"/>
+              <a:ext cx="10972800" cy="2972632"/>
             </a:xfrm>
             <a:prstGeom prst="rect">
               <a:avLst/>
@@ -3674,11 +3707,83 @@
             </a:bodyPr>
             <a:lstStyle/>
             <a:p>
-              <a:pPr>
+              <a:pPr marL="342900" indent="-342900">
                 <a:lnSpc>
                   <a:spcPct val="120000"/>
                 </a:lnSpc>
+                <a:buFont typeface="Arial"/>
+                <a:buChar char="•"/>
               </a:pPr>
+              <a:r>
+                <a:rPr lang="en-US" sz="2400" dirty="0" smtClean="0">
+                  <a:latin typeface="Avenir Book"/>
+                  <a:cs typeface="Avenir Book"/>
+                </a:rPr>
+                <a:t>What common features indicate that two questions are duplicates?</a:t>
+              </a:r>
+            </a:p>
+            <a:p>
+              <a:pPr marL="342900" indent="-342900">
+                <a:lnSpc>
+                  <a:spcPct val="120000"/>
+                </a:lnSpc>
+                <a:buFont typeface="Arial"/>
+                <a:buChar char="•"/>
+              </a:pPr>
+              <a:r>
+                <a:rPr lang="en-US" sz="2400" dirty="0" smtClean="0">
+                  <a:latin typeface="Avenir Book"/>
+                  <a:cs typeface="Avenir Book"/>
+                </a:rPr>
+                <a:t>Is there latent structure indicating the meaning of a question? How do we access it using </a:t>
+              </a:r>
+              <a:r>
+                <a:rPr lang="en-US" sz="2400" dirty="0">
+                  <a:latin typeface="Avenir Book"/>
+                  <a:cs typeface="Avenir Book"/>
+                </a:rPr>
+                <a:t>m</a:t>
+              </a:r>
+              <a:r>
+                <a:rPr lang="en-US" sz="2400" dirty="0" smtClean="0">
+                  <a:latin typeface="Avenir Book"/>
+                  <a:cs typeface="Avenir Book"/>
+                </a:rPr>
+                <a:t>achine learning methods?</a:t>
+              </a:r>
+            </a:p>
+            <a:p>
+              <a:pPr marL="342900" indent="-342900">
+                <a:lnSpc>
+                  <a:spcPct val="120000"/>
+                </a:lnSpc>
+                <a:buFont typeface="Arial"/>
+                <a:buChar char="•"/>
+              </a:pPr>
+              <a:r>
+                <a:rPr lang="en-US" sz="2400" dirty="0" smtClean="0">
+                  <a:latin typeface="Avenir Book"/>
+                  <a:cs typeface="Avenir Book"/>
+                </a:rPr>
+                <a:t>What advantages does </a:t>
+              </a:r>
+              <a:r>
+                <a:rPr lang="en-US" sz="2400" dirty="0" smtClean="0">
+                  <a:solidFill>
+                    <a:srgbClr val="FF0000"/>
+                  </a:solidFill>
+                  <a:latin typeface="Avenir Book"/>
+                  <a:cs typeface="Avenir Book"/>
+                </a:rPr>
+                <a:t>supervised</a:t>
+              </a:r>
+              <a:r>
+                <a:rPr lang="en-US" sz="2400" dirty="0" smtClean="0">
+                  <a:latin typeface="Avenir Book"/>
+                  <a:cs typeface="Avenir Book"/>
+                </a:rPr>
+                <a:t> learning offer that neural networks do not?</a:t>
+              </a:r>
               <a:endParaRPr lang="en-US" sz="2400" dirty="0">
                 <a:latin typeface="Avenir Book"/>
                 <a:cs typeface="Avenir Book"/>
@@ -4050,7 +4155,7 @@
         </p:nvSpPr>
         <p:spPr>
           <a:xfrm>
-            <a:off x="12441328" y="6055282"/>
+            <a:off x="12433258" y="6055282"/>
             <a:ext cx="11709485" cy="718073"/>
           </a:xfrm>
           <a:prstGeom prst="rect">
@@ -4084,7 +4189,7 @@
             <a:pPr algn="ctr"/>
             <a:r>
               <a:rPr lang="en-US" sz="3800" dirty="0" smtClean="0"/>
-              <a:t>Experimental Results</a:t>
+              <a:t>Results</a:t>
             </a:r>
             <a:endParaRPr lang="en-US" sz="3800" dirty="0"/>
           </a:p>

--- a/cstahl_ehirsch_kfarmer_poster.pptx
+++ b/cstahl_ehirsch_kfarmer_poster.pptx
@@ -106,7 +106,7 @@
   </p:defaultTextStyle>
   <p:extLst>
     <p:ext uri="{EFAFB233-063F-42B5-8137-9DF3F51BA10A}">
-      <p15:sldGuideLst xmlns="" xmlns:p15="http://schemas.microsoft.com/office/powerpoint/2012/main">
+      <p15:sldGuideLst xmlns:p15="http://schemas.microsoft.com/office/powerpoint/2012/main" xmlns="">
         <p15:guide id="1" orient="horz" pos="18990" userDrawn="1">
           <p15:clr>
             <a:srgbClr val="A4A3A4"/>
@@ -315,7 +315,7 @@
             <a:fld id="{43B08D0C-1E73-0A4F-82D9-254A22936925}" type="datetimeFigureOut">
               <a:rPr lang="en-US" smtClean="0"/>
               <a:pPr/>
-              <a:t>5/12/17</a:t>
+              <a:t>5/11/17</a:t>
             </a:fld>
             <a:endParaRPr lang="en-US"/>
           </a:p>
@@ -487,7 +487,7 @@
             <a:fld id="{43B08D0C-1E73-0A4F-82D9-254A22936925}" type="datetimeFigureOut">
               <a:rPr lang="en-US" smtClean="0"/>
               <a:pPr/>
-              <a:t>5/12/17</a:t>
+              <a:t>5/11/17</a:t>
             </a:fld>
             <a:endParaRPr lang="en-US"/>
           </a:p>
@@ -669,7 +669,7 @@
             <a:fld id="{43B08D0C-1E73-0A4F-82D9-254A22936925}" type="datetimeFigureOut">
               <a:rPr lang="en-US" smtClean="0"/>
               <a:pPr/>
-              <a:t>5/12/17</a:t>
+              <a:t>5/11/17</a:t>
             </a:fld>
             <a:endParaRPr lang="en-US"/>
           </a:p>
@@ -841,7 +841,7 @@
             <a:fld id="{43B08D0C-1E73-0A4F-82D9-254A22936925}" type="datetimeFigureOut">
               <a:rPr lang="en-US" smtClean="0"/>
               <a:pPr/>
-              <a:t>5/12/17</a:t>
+              <a:t>5/11/17</a:t>
             </a:fld>
             <a:endParaRPr lang="en-US"/>
           </a:p>
@@ -1089,7 +1089,7 @@
             <a:fld id="{43B08D0C-1E73-0A4F-82D9-254A22936925}" type="datetimeFigureOut">
               <a:rPr lang="en-US" smtClean="0"/>
               <a:pPr/>
-              <a:t>5/12/17</a:t>
+              <a:t>5/11/17</a:t>
             </a:fld>
             <a:endParaRPr lang="en-US"/>
           </a:p>
@@ -1379,7 +1379,7 @@
             <a:fld id="{43B08D0C-1E73-0A4F-82D9-254A22936925}" type="datetimeFigureOut">
               <a:rPr lang="en-US" smtClean="0"/>
               <a:pPr/>
-              <a:t>5/12/17</a:t>
+              <a:t>5/11/17</a:t>
             </a:fld>
             <a:endParaRPr lang="en-US"/>
           </a:p>
@@ -1808,7 +1808,7 @@
             <a:fld id="{43B08D0C-1E73-0A4F-82D9-254A22936925}" type="datetimeFigureOut">
               <a:rPr lang="en-US" smtClean="0"/>
               <a:pPr/>
-              <a:t>5/12/17</a:t>
+              <a:t>5/11/17</a:t>
             </a:fld>
             <a:endParaRPr lang="en-US"/>
           </a:p>
@@ -1928,7 +1928,7 @@
             <a:fld id="{43B08D0C-1E73-0A4F-82D9-254A22936925}" type="datetimeFigureOut">
               <a:rPr lang="en-US" smtClean="0"/>
               <a:pPr/>
-              <a:t>5/12/17</a:t>
+              <a:t>5/11/17</a:t>
             </a:fld>
             <a:endParaRPr lang="en-US"/>
           </a:p>
@@ -2025,7 +2025,7 @@
             <a:fld id="{43B08D0C-1E73-0A4F-82D9-254A22936925}" type="datetimeFigureOut">
               <a:rPr lang="en-US" smtClean="0"/>
               <a:pPr/>
-              <a:t>5/12/17</a:t>
+              <a:t>5/11/17</a:t>
             </a:fld>
             <a:endParaRPr lang="en-US"/>
           </a:p>
@@ -2304,7 +2304,7 @@
             <a:fld id="{43B08D0C-1E73-0A4F-82D9-254A22936925}" type="datetimeFigureOut">
               <a:rPr lang="en-US" smtClean="0"/>
               <a:pPr/>
-              <a:t>5/12/17</a:t>
+              <a:t>5/11/17</a:t>
             </a:fld>
             <a:endParaRPr lang="en-US"/>
           </a:p>
@@ -2559,7 +2559,7 @@
             <a:fld id="{43B08D0C-1E73-0A4F-82D9-254A22936925}" type="datetimeFigureOut">
               <a:rPr lang="en-US" smtClean="0"/>
               <a:pPr/>
-              <a:t>5/12/17</a:t>
+              <a:t>5/11/17</a:t>
             </a:fld>
             <a:endParaRPr lang="en-US"/>
           </a:p>
@@ -2774,7 +2774,7 @@
             <a:fld id="{43B08D0C-1E73-0A4F-82D9-254A22936925}" type="datetimeFigureOut">
               <a:rPr lang="en-US" smtClean="0"/>
               <a:pPr/>
-              <a:t>5/12/17</a:t>
+              <a:t>5/11/17</a:t>
             </a:fld>
             <a:endParaRPr lang="en-US"/>
           </a:p>
@@ -3316,7 +3316,27 @@
                   <a:latin typeface="Avenir Book"/>
                   <a:cs typeface="Avenir Book"/>
                 </a:rPr>
-                <a:t> Farmer              Charles Stahl                Meir Hirsch</a:t>
+                <a:t> </a:t>
+              </a:r>
+              <a:r>
+                <a:rPr lang="en-US" sz="4800" dirty="0" smtClean="0">
+                  <a:solidFill>
+                    <a:srgbClr val="FFFFFF"/>
+                  </a:solidFill>
+                  <a:latin typeface="Avenir Book"/>
+                  <a:cs typeface="Avenir Book"/>
+                </a:rPr>
+                <a:t>Farmer              Charles Stahl                Meir </a:t>
+              </a:r>
+              <a:r>
+                <a:rPr lang="en-US" sz="4800" dirty="0" smtClean="0">
+                  <a:solidFill>
+                    <a:srgbClr val="FFFFFF"/>
+                  </a:solidFill>
+                  <a:latin typeface="Avenir Book"/>
+                  <a:cs typeface="Avenir Book"/>
+                </a:rPr>
+                <a:t>Hirsch</a:t>
               </a:r>
             </a:p>
             <a:p>
@@ -3369,7 +3389,17 @@
                   <a:latin typeface="Avenir Book"/>
                   <a:cs typeface="Avenir Book"/>
                 </a:rPr>
-                <a:t>                       Department of Computer Science </a:t>
+                <a:t>                       </a:t>
+              </a:r>
+              <a:r>
+                <a:rPr lang="en-US" sz="2400" dirty="0" smtClean="0">
+                  <a:solidFill>
+                    <a:srgbClr val="FFFFFF"/>
+                  </a:solidFill>
+                  <a:latin typeface="Avenir Book"/>
+                  <a:cs typeface="Avenir Book"/>
+                </a:rPr>
+                <a:t>Department of Computer Science </a:t>
               </a:r>
               <a:endParaRPr lang="en-US" sz="2400" dirty="0">
                 <a:solidFill>
@@ -3487,9 +3517,9 @@
         <p:grpSpPr>
           <a:xfrm>
             <a:off x="1528026" y="6032191"/>
-            <a:ext cx="9598566" cy="9864397"/>
+            <a:ext cx="9598566" cy="7648406"/>
             <a:chOff x="3267208" y="7048317"/>
-            <a:chExt cx="11038352" cy="10704990"/>
+            <a:chExt cx="11038352" cy="8300164"/>
           </a:xfrm>
         </p:grpSpPr>
         <p:sp>
@@ -3598,7 +3628,7 @@
           <p:spPr>
             <a:xfrm>
               <a:off x="3282911" y="8129908"/>
-              <a:ext cx="10972800" cy="4896494"/>
+              <a:ext cx="10972800" cy="567806"/>
             </a:xfrm>
             <a:prstGeom prst="rect">
               <a:avLst/>
@@ -3616,69 +3646,6 @@
                   <a:spcPct val="120000"/>
                 </a:lnSpc>
               </a:pPr>
-              <a:r>
-                <a:rPr lang="en-US" sz="2400" dirty="0" err="1" smtClean="0">
-                  <a:latin typeface="Avenir Book"/>
-                  <a:cs typeface="Avenir Book"/>
-                </a:rPr>
-                <a:t>Quora</a:t>
-              </a:r>
-              <a:r>
-                <a:rPr lang="en-US" sz="2400" dirty="0" smtClean="0">
-                  <a:latin typeface="Avenir Book"/>
-                  <a:cs typeface="Avenir Book"/>
-                </a:rPr>
-                <a:t> </a:t>
-              </a:r>
-              <a:r>
-                <a:rPr lang="en-US" sz="2400" dirty="0">
-                  <a:latin typeface="Avenir Book"/>
-                  <a:cs typeface="Avenir Book"/>
-                </a:rPr>
-                <a:t>is a website that strives to connect people from different backgrounds to be able to answer questions whose answers are "either locked in people’s heads, or only accessible to select groups" \cite{</a:t>
-              </a:r>
-              <a:r>
-                <a:rPr lang="en-US" sz="2400" dirty="0" err="1">
-                  <a:latin typeface="Avenir Book"/>
-                  <a:cs typeface="Avenir Book"/>
-                </a:rPr>
-                <a:t>quora</a:t>
-              </a:r>
-              <a:r>
-                <a:rPr lang="en-US" sz="2400" dirty="0">
-                  <a:latin typeface="Avenir Book"/>
-                  <a:cs typeface="Avenir Book"/>
-                </a:rPr>
-                <a:t>}. \_\_How popular?\_\_ Once these questions are answered, any other person should be able to find the responses. However, sometimes people are unable to find the questions they want and end up asking the same question again. This counteracts </a:t>
-              </a:r>
-              <a:r>
-                <a:rPr lang="en-US" sz="2400" dirty="0" err="1">
-                  <a:latin typeface="Avenir Book"/>
-                  <a:cs typeface="Avenir Book"/>
-                </a:rPr>
-                <a:t>Quora's</a:t>
-              </a:r>
-              <a:r>
-                <a:rPr lang="en-US" sz="2400" dirty="0">
-                  <a:latin typeface="Avenir Book"/>
-                  <a:cs typeface="Avenir Book"/>
-                </a:rPr>
-                <a:t> vision of having "only one version of each question\dots [not] a left wing version, a right wing version, a western version, and an eastern version"~\cite{</a:t>
-              </a:r>
-              <a:r>
-                <a:rPr lang="en-US" sz="2400" dirty="0" err="1">
-                  <a:latin typeface="Avenir Book"/>
-                  <a:cs typeface="Avenir Book"/>
-                </a:rPr>
-                <a:t>quora</a:t>
-              </a:r>
-              <a:r>
-                <a:rPr lang="en-US" sz="2400" dirty="0">
-                  <a:latin typeface="Avenir Book"/>
-                  <a:cs typeface="Avenir Book"/>
-                </a:rPr>
-                <a:t>}.</a:t>
-              </a:r>
               <a:endParaRPr lang="en-US" sz="2400" dirty="0">
                 <a:latin typeface="Avenir Book"/>
                 <a:cs typeface="Avenir Book"/>
@@ -3695,7 +3662,7 @@
           <p:spPr>
             <a:xfrm>
               <a:off x="3267208" y="14780675"/>
-              <a:ext cx="10972800" cy="2972632"/>
+              <a:ext cx="10972800" cy="567806"/>
             </a:xfrm>
             <a:prstGeom prst="rect">
               <a:avLst/>
@@ -3707,83 +3674,11 @@
             </a:bodyPr>
             <a:lstStyle/>
             <a:p>
-              <a:pPr marL="342900" indent="-342900">
+              <a:pPr>
                 <a:lnSpc>
                   <a:spcPct val="120000"/>
                 </a:lnSpc>
-                <a:buFont typeface="Arial"/>
-                <a:buChar char="•"/>
               </a:pPr>
-              <a:r>
-                <a:rPr lang="en-US" sz="2400" dirty="0" smtClean="0">
-                  <a:latin typeface="Avenir Book"/>
-                  <a:cs typeface="Avenir Book"/>
-                </a:rPr>
-                <a:t>What common features indicate that two questions are duplicates?</a:t>
-              </a:r>
-            </a:p>
-            <a:p>
-              <a:pPr marL="342900" indent="-342900">
-                <a:lnSpc>
-                  <a:spcPct val="120000"/>
-                </a:lnSpc>
-                <a:buFont typeface="Arial"/>
-                <a:buChar char="•"/>
-              </a:pPr>
-              <a:r>
-                <a:rPr lang="en-US" sz="2400" dirty="0" smtClean="0">
-                  <a:latin typeface="Avenir Book"/>
-                  <a:cs typeface="Avenir Book"/>
-                </a:rPr>
-                <a:t>Is there latent structure indicating the meaning of a question? How do we access it using </a:t>
-              </a:r>
-              <a:r>
-                <a:rPr lang="en-US" sz="2400" dirty="0">
-                  <a:latin typeface="Avenir Book"/>
-                  <a:cs typeface="Avenir Book"/>
-                </a:rPr>
-                <a:t>m</a:t>
-              </a:r>
-              <a:r>
-                <a:rPr lang="en-US" sz="2400" dirty="0" smtClean="0">
-                  <a:latin typeface="Avenir Book"/>
-                  <a:cs typeface="Avenir Book"/>
-                </a:rPr>
-                <a:t>achine learning methods?</a:t>
-              </a:r>
-            </a:p>
-            <a:p>
-              <a:pPr marL="342900" indent="-342900">
-                <a:lnSpc>
-                  <a:spcPct val="120000"/>
-                </a:lnSpc>
-                <a:buFont typeface="Arial"/>
-                <a:buChar char="•"/>
-              </a:pPr>
-              <a:r>
-                <a:rPr lang="en-US" sz="2400" dirty="0" smtClean="0">
-                  <a:latin typeface="Avenir Book"/>
-                  <a:cs typeface="Avenir Book"/>
-                </a:rPr>
-                <a:t>What advantages does </a:t>
-              </a:r>
-              <a:r>
-                <a:rPr lang="en-US" sz="2400" dirty="0" smtClean="0">
-                  <a:solidFill>
-                    <a:srgbClr val="FF0000"/>
-                  </a:solidFill>
-                  <a:latin typeface="Avenir Book"/>
-                  <a:cs typeface="Avenir Book"/>
-                </a:rPr>
-                <a:t>supervised</a:t>
-              </a:r>
-              <a:r>
-                <a:rPr lang="en-US" sz="2400" dirty="0" smtClean="0">
-                  <a:latin typeface="Avenir Book"/>
-                  <a:cs typeface="Avenir Book"/>
-                </a:rPr>
-                <a:t> learning offer that neural networks do not?</a:t>
-              </a:r>
               <a:endParaRPr lang="en-US" sz="2400" dirty="0">
                 <a:latin typeface="Avenir Book"/>
                 <a:cs typeface="Avenir Book"/>
@@ -4155,7 +4050,7 @@
         </p:nvSpPr>
         <p:spPr>
           <a:xfrm>
-            <a:off x="12433258" y="6055282"/>
+            <a:off x="12441328" y="6055282"/>
             <a:ext cx="11709485" cy="718073"/>
           </a:xfrm>
           <a:prstGeom prst="rect">
@@ -4189,7 +4084,7 @@
             <a:pPr algn="ctr"/>
             <a:r>
               <a:rPr lang="en-US" sz="3800" dirty="0" smtClean="0"/>
-              <a:t>Results</a:t>
+              <a:t>Experimental Results</a:t>
             </a:r>
             <a:endParaRPr lang="en-US" sz="3800" dirty="0"/>
           </a:p>

--- a/cstahl_ehirsch_kfarmer_poster.pptx
+++ b/cstahl_ehirsch_kfarmer_poster.pptx
@@ -315,7 +315,7 @@
             <a:fld id="{43B08D0C-1E73-0A4F-82D9-254A22936925}" type="datetimeFigureOut">
               <a:rPr lang="en-US" smtClean="0"/>
               <a:pPr/>
-              <a:t>5/11/17</a:t>
+              <a:t>5/12/17</a:t>
             </a:fld>
             <a:endParaRPr lang="en-US"/>
           </a:p>
@@ -487,7 +487,7 @@
             <a:fld id="{43B08D0C-1E73-0A4F-82D9-254A22936925}" type="datetimeFigureOut">
               <a:rPr lang="en-US" smtClean="0"/>
               <a:pPr/>
-              <a:t>5/11/17</a:t>
+              <a:t>5/12/17</a:t>
             </a:fld>
             <a:endParaRPr lang="en-US"/>
           </a:p>
@@ -669,7 +669,7 @@
             <a:fld id="{43B08D0C-1E73-0A4F-82D9-254A22936925}" type="datetimeFigureOut">
               <a:rPr lang="en-US" smtClean="0"/>
               <a:pPr/>
-              <a:t>5/11/17</a:t>
+              <a:t>5/12/17</a:t>
             </a:fld>
             <a:endParaRPr lang="en-US"/>
           </a:p>
@@ -841,7 +841,7 @@
             <a:fld id="{43B08D0C-1E73-0A4F-82D9-254A22936925}" type="datetimeFigureOut">
               <a:rPr lang="en-US" smtClean="0"/>
               <a:pPr/>
-              <a:t>5/11/17</a:t>
+              <a:t>5/12/17</a:t>
             </a:fld>
             <a:endParaRPr lang="en-US"/>
           </a:p>
@@ -1089,7 +1089,7 @@
             <a:fld id="{43B08D0C-1E73-0A4F-82D9-254A22936925}" type="datetimeFigureOut">
               <a:rPr lang="en-US" smtClean="0"/>
               <a:pPr/>
-              <a:t>5/11/17</a:t>
+              <a:t>5/12/17</a:t>
             </a:fld>
             <a:endParaRPr lang="en-US"/>
           </a:p>
@@ -1379,7 +1379,7 @@
             <a:fld id="{43B08D0C-1E73-0A4F-82D9-254A22936925}" type="datetimeFigureOut">
               <a:rPr lang="en-US" smtClean="0"/>
               <a:pPr/>
-              <a:t>5/11/17</a:t>
+              <a:t>5/12/17</a:t>
             </a:fld>
             <a:endParaRPr lang="en-US"/>
           </a:p>
@@ -1808,7 +1808,7 @@
             <a:fld id="{43B08D0C-1E73-0A4F-82D9-254A22936925}" type="datetimeFigureOut">
               <a:rPr lang="en-US" smtClean="0"/>
               <a:pPr/>
-              <a:t>5/11/17</a:t>
+              <a:t>5/12/17</a:t>
             </a:fld>
             <a:endParaRPr lang="en-US"/>
           </a:p>
@@ -1928,7 +1928,7 @@
             <a:fld id="{43B08D0C-1E73-0A4F-82D9-254A22936925}" type="datetimeFigureOut">
               <a:rPr lang="en-US" smtClean="0"/>
               <a:pPr/>
-              <a:t>5/11/17</a:t>
+              <a:t>5/12/17</a:t>
             </a:fld>
             <a:endParaRPr lang="en-US"/>
           </a:p>
@@ -2025,7 +2025,7 @@
             <a:fld id="{43B08D0C-1E73-0A4F-82D9-254A22936925}" type="datetimeFigureOut">
               <a:rPr lang="en-US" smtClean="0"/>
               <a:pPr/>
-              <a:t>5/11/17</a:t>
+              <a:t>5/12/17</a:t>
             </a:fld>
             <a:endParaRPr lang="en-US"/>
           </a:p>
@@ -2304,7 +2304,7 @@
             <a:fld id="{43B08D0C-1E73-0A4F-82D9-254A22936925}" type="datetimeFigureOut">
               <a:rPr lang="en-US" smtClean="0"/>
               <a:pPr/>
-              <a:t>5/11/17</a:t>
+              <a:t>5/12/17</a:t>
             </a:fld>
             <a:endParaRPr lang="en-US"/>
           </a:p>
@@ -2559,7 +2559,7 @@
             <a:fld id="{43B08D0C-1E73-0A4F-82D9-254A22936925}" type="datetimeFigureOut">
               <a:rPr lang="en-US" smtClean="0"/>
               <a:pPr/>
-              <a:t>5/11/17</a:t>
+              <a:t>5/12/17</a:t>
             </a:fld>
             <a:endParaRPr lang="en-US"/>
           </a:p>
@@ -2774,7 +2774,7 @@
             <a:fld id="{43B08D0C-1E73-0A4F-82D9-254A22936925}" type="datetimeFigureOut">
               <a:rPr lang="en-US" smtClean="0"/>
               <a:pPr/>
-              <a:t>5/11/17</a:t>
+              <a:t>5/12/17</a:t>
             </a:fld>
             <a:endParaRPr lang="en-US"/>
           </a:p>
@@ -3316,27 +3316,7 @@
                   <a:latin typeface="Avenir Book"/>
                   <a:cs typeface="Avenir Book"/>
                 </a:rPr>
-                <a:t> </a:t>
-              </a:r>
-              <a:r>
-                <a:rPr lang="en-US" sz="4800" dirty="0" smtClean="0">
-                  <a:solidFill>
-                    <a:srgbClr val="FFFFFF"/>
-                  </a:solidFill>
-                  <a:latin typeface="Avenir Book"/>
-                  <a:cs typeface="Avenir Book"/>
-                </a:rPr>
-                <a:t>Farmer              Charles Stahl                Meir </a:t>
-              </a:r>
-              <a:r>
-                <a:rPr lang="en-US" sz="4800" dirty="0" smtClean="0">
-                  <a:solidFill>
-                    <a:srgbClr val="FFFFFF"/>
-                  </a:solidFill>
-                  <a:latin typeface="Avenir Book"/>
-                  <a:cs typeface="Avenir Book"/>
-                </a:rPr>
-                <a:t>Hirsch</a:t>
+                <a:t> Farmer              Charles Stahl                Meir Hirsch</a:t>
               </a:r>
             </a:p>
             <a:p>
@@ -3389,17 +3369,7 @@
                   <a:latin typeface="Avenir Book"/>
                   <a:cs typeface="Avenir Book"/>
                 </a:rPr>
-                <a:t>                       </a:t>
-              </a:r>
-              <a:r>
-                <a:rPr lang="en-US" sz="2400" dirty="0" smtClean="0">
-                  <a:solidFill>
-                    <a:srgbClr val="FFFFFF"/>
-                  </a:solidFill>
-                  <a:latin typeface="Avenir Book"/>
-                  <a:cs typeface="Avenir Book"/>
-                </a:rPr>
-                <a:t>Department of Computer Science </a:t>
+                <a:t>                       Department of Computer Science </a:t>
               </a:r>
               <a:endParaRPr lang="en-US" sz="2400" dirty="0">
                 <a:solidFill>
@@ -3517,9 +3487,9 @@
         <p:grpSpPr>
           <a:xfrm>
             <a:off x="1528026" y="6032191"/>
-            <a:ext cx="9598566" cy="7648406"/>
+            <a:ext cx="9598566" cy="9864397"/>
             <a:chOff x="3267208" y="7048317"/>
-            <a:chExt cx="11038352" cy="8300164"/>
+            <a:chExt cx="11038352" cy="10704990"/>
           </a:xfrm>
         </p:grpSpPr>
         <p:sp>
@@ -3628,7 +3598,7 @@
           <p:spPr>
             <a:xfrm>
               <a:off x="3282911" y="8129908"/>
-              <a:ext cx="10972800" cy="567806"/>
+              <a:ext cx="10972800" cy="4896494"/>
             </a:xfrm>
             <a:prstGeom prst="rect">
               <a:avLst/>
@@ -3646,10 +3616,69 @@
                   <a:spcPct val="120000"/>
                 </a:lnSpc>
               </a:pPr>
-              <a:endParaRPr lang="en-US" sz="2400" dirty="0">
-                <a:latin typeface="Avenir Book"/>
-                <a:cs typeface="Avenir Book"/>
-              </a:endParaRPr>
+              <a:r>
+                <a:rPr lang="en-US" sz="2400" dirty="0" err="1" smtClean="0">
+                  <a:latin typeface="Avenir Book"/>
+                  <a:cs typeface="Avenir Book"/>
+                </a:rPr>
+                <a:t>Quora</a:t>
+              </a:r>
+              <a:r>
+                <a:rPr lang="en-US" sz="2400" dirty="0" smtClean="0">
+                  <a:latin typeface="Avenir Book"/>
+                  <a:cs typeface="Avenir Book"/>
+                </a:rPr>
+                <a:t> </a:t>
+              </a:r>
+              <a:r>
+                <a:rPr lang="en-US" sz="2400" dirty="0">
+                  <a:latin typeface="Avenir Book"/>
+                  <a:cs typeface="Avenir Book"/>
+                </a:rPr>
+                <a:t>is a website that strives to connect people from different backgrounds to be able to answer questions whose answers are "either locked in people’s heads, or only accessible to select groups" \cite{</a:t>
+              </a:r>
+              <a:r>
+                <a:rPr lang="en-US" sz="2400" dirty="0" err="1">
+                  <a:latin typeface="Avenir Book"/>
+                  <a:cs typeface="Avenir Book"/>
+                </a:rPr>
+                <a:t>quora</a:t>
+              </a:r>
+              <a:r>
+                <a:rPr lang="en-US" sz="2400" dirty="0">
+                  <a:latin typeface="Avenir Book"/>
+                  <a:cs typeface="Avenir Book"/>
+                </a:rPr>
+                <a:t>}. \_\_How popular?\_\_ Once these questions are answered, any other person should be able to find the responses. However, sometimes people are unable to find the questions they want and end up asking the same question again. This counteracts </a:t>
+              </a:r>
+              <a:r>
+                <a:rPr lang="en-US" sz="2400" dirty="0" err="1">
+                  <a:latin typeface="Avenir Book"/>
+                  <a:cs typeface="Avenir Book"/>
+                </a:rPr>
+                <a:t>Quora's</a:t>
+              </a:r>
+              <a:r>
+                <a:rPr lang="en-US" sz="2400" dirty="0">
+                  <a:latin typeface="Avenir Book"/>
+                  <a:cs typeface="Avenir Book"/>
+                </a:rPr>
+                <a:t> vision of having "only one version of each question\dots [not] a left wing version, a right wing version, a western version, and an eastern version"~\cite{</a:t>
+              </a:r>
+              <a:r>
+                <a:rPr lang="en-US" sz="2400" dirty="0" err="1">
+                  <a:latin typeface="Avenir Book"/>
+                  <a:cs typeface="Avenir Book"/>
+                </a:rPr>
+                <a:t>quora</a:t>
+              </a:r>
+              <a:r>
+                <a:rPr lang="en-US" sz="2400" dirty="0">
+                  <a:latin typeface="Avenir Book"/>
+                  <a:cs typeface="Avenir Book"/>
+                </a:rPr>
+                <a:t>}.</a:t>
+              </a:r>
             </a:p>
           </p:txBody>
         </p:sp>
@@ -3662,7 +3691,7 @@
           <p:spPr>
             <a:xfrm>
               <a:off x="3267208" y="14780675"/>
-              <a:ext cx="10972800" cy="567806"/>
+              <a:ext cx="10972800" cy="2972632"/>
             </a:xfrm>
             <a:prstGeom prst="rect">
               <a:avLst/>
@@ -3674,11 +3703,83 @@
             </a:bodyPr>
             <a:lstStyle/>
             <a:p>
-              <a:pPr>
+              <a:pPr marL="342900" indent="-342900">
                 <a:lnSpc>
                   <a:spcPct val="120000"/>
                 </a:lnSpc>
+                <a:buFont typeface="Arial"/>
+                <a:buChar char="•"/>
               </a:pPr>
+              <a:r>
+                <a:rPr lang="en-US" sz="2400" dirty="0" smtClean="0">
+                  <a:latin typeface="Avenir Book"/>
+                  <a:cs typeface="Avenir Book"/>
+                </a:rPr>
+                <a:t>What common features indicate that two questions are duplicates?</a:t>
+              </a:r>
+            </a:p>
+            <a:p>
+              <a:pPr marL="342900" indent="-342900">
+                <a:lnSpc>
+                  <a:spcPct val="120000"/>
+                </a:lnSpc>
+                <a:buFont typeface="Arial"/>
+                <a:buChar char="•"/>
+              </a:pPr>
+              <a:r>
+                <a:rPr lang="en-US" sz="2400" dirty="0" smtClean="0">
+                  <a:latin typeface="Avenir Book"/>
+                  <a:cs typeface="Avenir Book"/>
+                </a:rPr>
+                <a:t>Is there latent structure indicating the meaning of a question? How do we access it using </a:t>
+              </a:r>
+              <a:r>
+                <a:rPr lang="en-US" sz="2400" dirty="0">
+                  <a:latin typeface="Avenir Book"/>
+                  <a:cs typeface="Avenir Book"/>
+                </a:rPr>
+                <a:t>m</a:t>
+              </a:r>
+              <a:r>
+                <a:rPr lang="en-US" sz="2400" dirty="0" smtClean="0">
+                  <a:latin typeface="Avenir Book"/>
+                  <a:cs typeface="Avenir Book"/>
+                </a:rPr>
+                <a:t>achine learning methods?</a:t>
+              </a:r>
+            </a:p>
+            <a:p>
+              <a:pPr marL="342900" indent="-342900">
+                <a:lnSpc>
+                  <a:spcPct val="120000"/>
+                </a:lnSpc>
+                <a:buFont typeface="Arial"/>
+                <a:buChar char="•"/>
+              </a:pPr>
+              <a:r>
+                <a:rPr lang="en-US" sz="2400" dirty="0" smtClean="0">
+                  <a:latin typeface="Avenir Book"/>
+                  <a:cs typeface="Avenir Book"/>
+                </a:rPr>
+                <a:t>What advantages does </a:t>
+              </a:r>
+              <a:r>
+                <a:rPr lang="en-US" sz="2400" dirty="0" smtClean="0">
+                  <a:solidFill>
+                    <a:srgbClr val="FF0000"/>
+                  </a:solidFill>
+                  <a:latin typeface="Avenir Book"/>
+                  <a:cs typeface="Avenir Book"/>
+                </a:rPr>
+                <a:t>supervised</a:t>
+              </a:r>
+              <a:r>
+                <a:rPr lang="en-US" sz="2400" dirty="0" smtClean="0">
+                  <a:latin typeface="Avenir Book"/>
+                  <a:cs typeface="Avenir Book"/>
+                </a:rPr>
+                <a:t> learning offer that neural networks do not?</a:t>
+              </a:r>
               <a:endParaRPr lang="en-US" sz="2400" dirty="0">
                 <a:latin typeface="Avenir Book"/>
                 <a:cs typeface="Avenir Book"/>
@@ -3770,12 +3871,8 @@
             <a:p>
               <a:pPr algn="ctr"/>
               <a:r>
-                <a:rPr lang="en-US" sz="3800" dirty="0" err="1" smtClean="0"/>
-                <a:t>Assesment</a:t>
-              </a:r>
-              <a:r>
                 <a:rPr lang="en-US" sz="3800" dirty="0" smtClean="0"/>
-                <a:t> </a:t>
+                <a:t>Assessment </a:t>
               </a:r>
               <a:endParaRPr lang="en-US" sz="3800" dirty="0"/>
             </a:p>
@@ -4050,7 +4147,7 @@
         </p:nvSpPr>
         <p:spPr>
           <a:xfrm>
-            <a:off x="12441328" y="6055282"/>
+            <a:off x="12433258" y="10311888"/>
             <a:ext cx="11709485" cy="718073"/>
           </a:xfrm>
           <a:prstGeom prst="rect">
@@ -4084,7 +4181,7 @@
             <a:pPr algn="ctr"/>
             <a:r>
               <a:rPr lang="en-US" sz="3800" dirty="0" smtClean="0"/>
-              <a:t>Experimental Results</a:t>
+              <a:t>Results</a:t>
             </a:r>
             <a:endParaRPr lang="en-US" sz="3800" dirty="0"/>
           </a:p>
@@ -4204,6 +4301,345 @@
           </a:prstGeom>
         </p:spPr>
       </p:pic>
+      <p:sp>
+        <p:nvSpPr>
+          <p:cNvPr id="28" name="Rectangle 27"/>
+          <p:cNvSpPr/>
+          <p:nvPr/>
+        </p:nvSpPr>
+        <p:spPr>
+          <a:xfrm>
+            <a:off x="1555335" y="17214520"/>
+            <a:ext cx="9541564" cy="2296013"/>
+          </a:xfrm>
+          <a:prstGeom prst="rect">
+            <a:avLst/>
+          </a:prstGeom>
+        </p:spPr>
+        <p:txBody>
+          <a:bodyPr wrap="square">
+            <a:spAutoFit/>
+          </a:bodyPr>
+          <a:lstStyle/>
+          <a:p>
+            <a:pPr marL="342900" indent="-342900">
+              <a:lnSpc>
+                <a:spcPct val="120000"/>
+              </a:lnSpc>
+              <a:buFont typeface="Arial"/>
+              <a:buChar char="•"/>
+            </a:pPr>
+            <a:r>
+              <a:rPr lang="en-US" sz="2400" dirty="0">
+                <a:latin typeface="Avenir Book"/>
+                <a:cs typeface="Avenir Book"/>
+              </a:rPr>
+              <a:t>Simple similarity score using bag-of-words, </a:t>
+            </a:r>
+            <a:r>
+              <a:rPr lang="en-US" sz="2400" dirty="0" err="1">
+                <a:latin typeface="Avenir Book"/>
+                <a:cs typeface="Avenir Book"/>
+              </a:rPr>
+              <a:t>tf-idf</a:t>
+            </a:r>
+            <a:endParaRPr lang="en-US" sz="2400" dirty="0">
+              <a:latin typeface="Avenir Book"/>
+              <a:cs typeface="Avenir Book"/>
+            </a:endParaRPr>
+          </a:p>
+          <a:p>
+            <a:pPr marL="342900" indent="-342900">
+              <a:lnSpc>
+                <a:spcPct val="120000"/>
+              </a:lnSpc>
+              <a:buFont typeface="Arial"/>
+              <a:buChar char="•"/>
+            </a:pPr>
+            <a:r>
+              <a:rPr lang="en-US" sz="2400" dirty="0" smtClean="0">
+                <a:latin typeface="Lucida Sans Typewriter"/>
+                <a:cs typeface="Lucida Sans Typewriter"/>
+              </a:rPr>
+              <a:t>word2vec: </a:t>
+            </a:r>
+            <a:r>
+              <a:rPr lang="en-US" sz="2400" dirty="0" smtClean="0">
+                <a:latin typeface="Avenir Book"/>
+                <a:cs typeface="Avenir Book"/>
+              </a:rPr>
+              <a:t>Embeds words in pre-trained vector space</a:t>
+            </a:r>
+            <a:endParaRPr lang="en-US" sz="2400" dirty="0">
+              <a:latin typeface="Avenir Book"/>
+              <a:cs typeface="Avenir Book"/>
+            </a:endParaRPr>
+          </a:p>
+          <a:p>
+            <a:pPr marL="342900" indent="-342900">
+              <a:lnSpc>
+                <a:spcPct val="120000"/>
+              </a:lnSpc>
+              <a:buFont typeface="Arial"/>
+              <a:buChar char="•"/>
+            </a:pPr>
+            <a:r>
+              <a:rPr lang="en-US" sz="2400" dirty="0" smtClean="0">
+                <a:latin typeface="Avenir Book"/>
+                <a:cs typeface="Avenir Book"/>
+              </a:rPr>
+              <a:t>Focusing on word differences</a:t>
+            </a:r>
+          </a:p>
+          <a:p>
+            <a:pPr marL="342900" indent="-342900">
+              <a:lnSpc>
+                <a:spcPct val="120000"/>
+              </a:lnSpc>
+              <a:buFont typeface="Arial"/>
+              <a:buChar char="•"/>
+            </a:pPr>
+            <a:r>
+              <a:rPr lang="en-US" sz="2400" dirty="0" smtClean="0">
+                <a:latin typeface="Avenir Book"/>
+                <a:cs typeface="Avenir Book"/>
+              </a:rPr>
+              <a:t>Parts of speech</a:t>
+            </a:r>
+          </a:p>
+          <a:p>
+            <a:pPr marL="342900" indent="-342900">
+              <a:lnSpc>
+                <a:spcPct val="120000"/>
+              </a:lnSpc>
+              <a:buFont typeface="Arial"/>
+              <a:buChar char="•"/>
+            </a:pPr>
+            <a:endParaRPr lang="en-US" sz="2400" dirty="0">
+              <a:latin typeface="Lucida Sans Typewriter"/>
+              <a:cs typeface="Lucida Sans Typewriter"/>
+            </a:endParaRPr>
+          </a:p>
+        </p:txBody>
+      </p:sp>
+      <p:sp>
+        <p:nvSpPr>
+          <p:cNvPr id="29" name="Rectangle 28"/>
+          <p:cNvSpPr/>
+          <p:nvPr/>
+        </p:nvSpPr>
+        <p:spPr>
+          <a:xfrm>
+            <a:off x="12433258" y="6062717"/>
+            <a:ext cx="11709485" cy="718073"/>
+          </a:xfrm>
+          <a:prstGeom prst="rect">
+            <a:avLst/>
+          </a:prstGeom>
+          <a:solidFill>
+            <a:srgbClr val="595959"/>
+          </a:solidFill>
+          <a:ln>
+            <a:noFill/>
+          </a:ln>
+        </p:spPr>
+        <p:style>
+          <a:lnRef idx="1">
+            <a:schemeClr val="accent1"/>
+          </a:lnRef>
+          <a:fillRef idx="3">
+            <a:schemeClr val="accent1"/>
+          </a:fillRef>
+          <a:effectRef idx="2">
+            <a:schemeClr val="accent1"/>
+          </a:effectRef>
+          <a:fontRef idx="minor">
+            <a:schemeClr val="lt1"/>
+          </a:fontRef>
+        </p:style>
+        <p:txBody>
+          <a:bodyPr lIns="86493" tIns="43247" rIns="86493" bIns="43247" rtlCol="0" anchor="ctr"/>
+          <a:lstStyle/>
+          <a:p>
+            <a:pPr algn="ctr"/>
+            <a:r>
+              <a:rPr lang="en-US" sz="3800" dirty="0" smtClean="0"/>
+              <a:t>Data</a:t>
+            </a:r>
+            <a:endParaRPr lang="en-US" sz="3800" dirty="0"/>
+          </a:p>
+        </p:txBody>
+      </p:sp>
+      <p:sp>
+        <p:nvSpPr>
+          <p:cNvPr id="31" name="Rectangle 30"/>
+          <p:cNvSpPr/>
+          <p:nvPr/>
+        </p:nvSpPr>
+        <p:spPr>
+          <a:xfrm>
+            <a:off x="12433258" y="7017700"/>
+            <a:ext cx="11709485" cy="3182410"/>
+          </a:xfrm>
+          <a:prstGeom prst="rect">
+            <a:avLst/>
+          </a:prstGeom>
+        </p:spPr>
+        <p:txBody>
+          <a:bodyPr wrap="square">
+            <a:spAutoFit/>
+          </a:bodyPr>
+          <a:lstStyle/>
+          <a:p>
+            <a:pPr>
+              <a:lnSpc>
+                <a:spcPct val="120000"/>
+              </a:lnSpc>
+            </a:pPr>
+            <a:r>
+              <a:rPr lang="en-US" sz="2400" dirty="0" smtClean="0">
+                <a:latin typeface="Avenir Book"/>
+                <a:cs typeface="Avenir Book"/>
+              </a:rPr>
+              <a:t>Training data consists of 404,302 question pairs labeled as duplicates or not.</a:t>
+            </a:r>
+          </a:p>
+          <a:p>
+            <a:pPr>
+              <a:lnSpc>
+                <a:spcPct val="120000"/>
+              </a:lnSpc>
+            </a:pPr>
+            <a:r>
+              <a:rPr lang="en-US" sz="2400" dirty="0" smtClean="0">
+                <a:latin typeface="Avenir Book"/>
+                <a:cs typeface="Avenir Book"/>
+              </a:rPr>
+              <a:t>Most non-duplicates are near-duplicates.</a:t>
+            </a:r>
+          </a:p>
+          <a:p>
+            <a:pPr marL="342900" indent="-342900">
+              <a:lnSpc>
+                <a:spcPct val="120000"/>
+              </a:lnSpc>
+              <a:buFont typeface="Arial"/>
+              <a:buChar char="•"/>
+            </a:pPr>
+            <a:r>
+              <a:rPr lang="en-US" sz="2400" dirty="0" smtClean="0">
+                <a:latin typeface="Avenir Book"/>
+                <a:cs typeface="Avenir Book"/>
+              </a:rPr>
+              <a:t>“What </a:t>
+            </a:r>
+            <a:r>
+              <a:rPr lang="en-US" sz="2400" dirty="0">
+                <a:latin typeface="Avenir Book"/>
+                <a:cs typeface="Avenir Book"/>
+              </a:rPr>
+              <a:t>is the step by step guide to invest in share market in </a:t>
+            </a:r>
+            <a:r>
+              <a:rPr lang="en-US" sz="2400" dirty="0" err="1">
+                <a:latin typeface="Avenir Book"/>
+                <a:cs typeface="Avenir Book"/>
+              </a:rPr>
+              <a:t>india</a:t>
+            </a:r>
+            <a:r>
+              <a:rPr lang="en-US" sz="2400" dirty="0" smtClean="0">
+                <a:latin typeface="Avenir Book"/>
+                <a:cs typeface="Avenir Book"/>
+              </a:rPr>
+              <a:t>?” and “What </a:t>
+            </a:r>
+            <a:r>
+              <a:rPr lang="en-US" sz="2400" dirty="0">
+                <a:latin typeface="Avenir Book"/>
+                <a:cs typeface="Avenir Book"/>
+              </a:rPr>
+              <a:t>is the step by step guide to invest in share market</a:t>
+            </a:r>
+            <a:r>
+              <a:rPr lang="en-US" sz="2400" dirty="0" smtClean="0">
+                <a:latin typeface="Avenir Book"/>
+                <a:cs typeface="Avenir Book"/>
+              </a:rPr>
+              <a:t>?” are not duplicates</a:t>
+            </a:r>
+          </a:p>
+          <a:p>
+            <a:pPr marL="342900" indent="-342900">
+              <a:lnSpc>
+                <a:spcPct val="120000"/>
+              </a:lnSpc>
+              <a:buFont typeface="Arial"/>
+              <a:buChar char="•"/>
+            </a:pPr>
+            <a:r>
+              <a:rPr lang="en-US" sz="2400" dirty="0" smtClean="0">
+                <a:latin typeface="Avenir Book"/>
+                <a:cs typeface="Avenir Book"/>
+              </a:rPr>
+              <a:t>“How </a:t>
+            </a:r>
+            <a:r>
+              <a:rPr lang="en-US" sz="2400" dirty="0">
+                <a:latin typeface="Avenir Book"/>
+                <a:cs typeface="Avenir Book"/>
+              </a:rPr>
+              <a:t>can I be a good geologist</a:t>
+            </a:r>
+            <a:r>
+              <a:rPr lang="en-US" sz="2400" dirty="0" smtClean="0">
+                <a:latin typeface="Avenir Book"/>
+                <a:cs typeface="Avenir Book"/>
+              </a:rPr>
+              <a:t>?” and “What </a:t>
+            </a:r>
+            <a:r>
+              <a:rPr lang="en-US" sz="2400" dirty="0">
+                <a:latin typeface="Avenir Book"/>
+                <a:cs typeface="Avenir Book"/>
+              </a:rPr>
+              <a:t>should I do to be a great geologist</a:t>
+            </a:r>
+            <a:r>
+              <a:rPr lang="en-US" sz="2400" dirty="0" smtClean="0">
+                <a:latin typeface="Avenir Book"/>
+                <a:cs typeface="Avenir Book"/>
+              </a:rPr>
+              <a:t>?” are duplicates</a:t>
+            </a:r>
+          </a:p>
+          <a:p>
+            <a:pPr>
+              <a:lnSpc>
+                <a:spcPct val="120000"/>
+              </a:lnSpc>
+            </a:pPr>
+            <a:r>
+              <a:rPr lang="en-US" sz="2400" dirty="0" smtClean="0">
+                <a:latin typeface="Avenir Book"/>
+                <a:cs typeface="Avenir Book"/>
+              </a:rPr>
+              <a:t>Testing data consists of </a:t>
+            </a:r>
+            <a:r>
+              <a:rPr lang="is-IS" sz="2400" dirty="0" smtClean="0">
+                <a:latin typeface="Avenir Book"/>
+                <a:cs typeface="Avenir Book"/>
+              </a:rPr>
+              <a:t>2,345,806 pairs, </a:t>
+            </a:r>
+            <a:endParaRPr lang="en-US" sz="2400" dirty="0">
+              <a:latin typeface="Avenir Book"/>
+              <a:cs typeface="Avenir Book"/>
+            </a:endParaRPr>
+          </a:p>
+        </p:txBody>
+      </p:sp>
     </p:spTree>
     <p:extLst>
       <p:ext uri="{BB962C8B-B14F-4D97-AF65-F5344CB8AC3E}">

--- a/cstahl_ehirsch_kfarmer_poster.pptx
+++ b/cstahl_ehirsch_kfarmer_poster.pptx
@@ -3635,21 +3635,21 @@
                   <a:latin typeface="Avenir Book"/>
                   <a:cs typeface="Avenir Book"/>
                 </a:rPr>
-                <a:t>is a website that strives to connect people from different backgrounds to be able to answer questions whose answers are "either locked in people’s heads, or only accessible to select groups" \cite{</a:t>
+                <a:t>is a website that strives to connect people from different backgrounds to be able to answer questions whose answers are "either locked in people’s heads, or only accessible to select groups" </a:t>
               </a:r>
               <a:r>
-                <a:rPr lang="en-US" sz="2400" dirty="0" err="1">
+                <a:rPr lang="en-US" sz="2400" dirty="0" smtClean="0">
                   <a:latin typeface="Avenir Book"/>
                   <a:cs typeface="Avenir Book"/>
                 </a:rPr>
-                <a:t>quora</a:t>
+                <a:t>[1]. </a:t>
               </a:r>
               <a:r>
                 <a:rPr lang="en-US" sz="2400" dirty="0">
                   <a:latin typeface="Avenir Book"/>
                   <a:cs typeface="Avenir Book"/>
                 </a:rPr>
-                <a:t>}. \_\_How popular?\_\_ Once these questions are answered, any other person should be able to find the responses. However, sometimes people are unable to find the questions they want and end up asking the same question again. This counteracts </a:t>
+                <a:t>\_\_How popular?\_\_ Once these questions are answered, any other person should be able to find the responses. However, sometimes people are unable to find the questions they want and end up asking the same question again. This counteracts </a:t>
               </a:r>
               <a:r>
                 <a:rPr lang="en-US" sz="2400" dirty="0" err="1">
@@ -3663,22 +3663,19 @@
                   <a:latin typeface="Avenir Book"/>
                   <a:cs typeface="Avenir Book"/>
                 </a:rPr>
-                <a:t> vision of having "only one version of each question\dots [not] a left wing version, a right wing version, a western version, and an eastern version"~\cite{</a:t>
+                <a:t> vision of having "only one version of each question\dots [not] a left wing version, a right wing version, a western version, and an eastern </a:t>
               </a:r>
               <a:r>
-                <a:rPr lang="en-US" sz="2400" dirty="0" err="1">
+                <a:rPr lang="en-US" sz="2400" dirty="0" smtClean="0">
                   <a:latin typeface="Avenir Book"/>
                   <a:cs typeface="Avenir Book"/>
                 </a:rPr>
-                <a:t>quora</a:t>
+                <a:t>version” [1].</a:t>
               </a:r>
-              <a:r>
-                <a:rPr lang="en-US" sz="2400" dirty="0">
-                  <a:latin typeface="Avenir Book"/>
-                  <a:cs typeface="Avenir Book"/>
-                </a:rPr>
-                <a:t>}.</a:t>
-              </a:r>
+              <a:endParaRPr lang="en-US" sz="2400" dirty="0">
+                <a:latin typeface="Avenir Book"/>
+                <a:cs typeface="Avenir Book"/>
+              </a:endParaRPr>
             </a:p>
           </p:txBody>
         </p:sp>
@@ -3809,6 +3806,31 @@
           </a:bodyPr>
           <a:lstStyle/>
           <a:p>
+            <a:pPr marL="457200" indent="-457200">
+              <a:buFont typeface="+mj-lt"/>
+              <a:buAutoNum type="arabicPeriod"/>
+            </a:pPr>
+            <a:r>
+              <a:rPr lang="en-US" sz="2000" dirty="0">
+                <a:latin typeface="Avenir Book"/>
+                <a:cs typeface="Avenir Book"/>
+              </a:rPr>
+              <a:t>https://</a:t>
+            </a:r>
+            <a:r>
+              <a:rPr lang="en-US" sz="2000" dirty="0" err="1">
+                <a:latin typeface="Avenir Book"/>
+                <a:cs typeface="Avenir Book"/>
+              </a:rPr>
+              <a:t>www.quora.com</a:t>
+            </a:r>
+            <a:r>
+              <a:rPr lang="en-US" sz="2000" dirty="0">
+                <a:latin typeface="Avenir Book"/>
+                <a:cs typeface="Avenir Book"/>
+              </a:rPr>
+              <a:t>/about</a:t>
+            </a:r>
             <a:endParaRPr lang="en-US" sz="2000" dirty="0" smtClean="0">
               <a:latin typeface="Avenir Book"/>
               <a:cs typeface="Avenir Book"/>
@@ -4478,8 +4500,8 @@
         </p:nvSpPr>
         <p:spPr>
           <a:xfrm>
-            <a:off x="12433258" y="7017700"/>
-            <a:ext cx="11709485" cy="3182410"/>
+            <a:off x="12433259" y="7017700"/>
+            <a:ext cx="11709484" cy="3182410"/>
           </a:xfrm>
           <a:prstGeom prst="rect">
             <a:avLst/>
@@ -4515,7 +4537,7 @@
                 <a:latin typeface="Avenir Book"/>
                 <a:cs typeface="Avenir Book"/>
               </a:rPr>
-              <a:t>Most non-duplicates are near-duplicates.</a:t>
+              <a:t>Most non-duplicates are near-duplicates, and \_\_percentage\_\_</a:t>
             </a:r>
           </a:p>
           <a:p>
@@ -4631,12 +4653,70 @@
                 <a:latin typeface="Avenir Book"/>
                 <a:cs typeface="Avenir Book"/>
               </a:rPr>
-              <a:t>2,345,806 pairs, </a:t>
+              <a:t>2,345,806 pairs, \_\_#dups, percentage\_\_</a:t>
             </a:r>
             <a:endParaRPr lang="en-US" sz="2400" dirty="0">
               <a:latin typeface="Avenir Book"/>
               <a:cs typeface="Avenir Book"/>
             </a:endParaRPr>
+          </a:p>
+        </p:txBody>
+      </p:sp>
+      <p:sp>
+        <p:nvSpPr>
+          <p:cNvPr id="33" name="TextBox 32"/>
+          <p:cNvSpPr txBox="1"/>
+          <p:nvPr/>
+        </p:nvSpPr>
+        <p:spPr>
+          <a:xfrm>
+            <a:off x="25482823" y="6979224"/>
+            <a:ext cx="9524360" cy="966418"/>
+          </a:xfrm>
+          <a:prstGeom prst="rect">
+            <a:avLst/>
+          </a:prstGeom>
+          <a:noFill/>
+        </p:spPr>
+        <p:txBody>
+          <a:bodyPr wrap="square" rtlCol="0">
+            <a:spAutoFit/>
+          </a:bodyPr>
+          <a:lstStyle/>
+          <a:p>
+            <a:pPr>
+              <a:lnSpc>
+                <a:spcPct val="120000"/>
+              </a:lnSpc>
+            </a:pPr>
+            <a:r>
+              <a:rPr lang="en-US" sz="2400" dirty="0" smtClean="0">
+                <a:latin typeface="Avenir Book"/>
+                <a:cs typeface="Avenir Book"/>
+              </a:rPr>
+              <a:t>, </a:t>
+            </a:r>
+            <a:r>
+              <a:rPr lang="en-US" sz="2400" dirty="0">
+                <a:latin typeface="Avenir Book"/>
+                <a:cs typeface="Avenir Book"/>
+              </a:rPr>
+              <a:t>a right wing version, a western version, and an eastern version"~\cite{</a:t>
+            </a:r>
+            <a:r>
+              <a:rPr lang="en-US" sz="2400" dirty="0" err="1">
+                <a:latin typeface="Avenir Book"/>
+                <a:cs typeface="Avenir Book"/>
+              </a:rPr>
+              <a:t>quora</a:t>
+            </a:r>
+            <a:r>
+              <a:rPr lang="en-US" sz="2400" dirty="0">
+                <a:latin typeface="Avenir Book"/>
+                <a:cs typeface="Avenir Book"/>
+              </a:rPr>
+              <a:t>}.</a:t>
+            </a:r>
           </a:p>
         </p:txBody>
       </p:sp>

--- a/cstahl_ehirsch_kfarmer_poster.pptx
+++ b/cstahl_ehirsch_kfarmer_poster.pptx
@@ -315,7 +315,7 @@
             <a:fld id="{43B08D0C-1E73-0A4F-82D9-254A22936925}" type="datetimeFigureOut">
               <a:rPr lang="en-US" smtClean="0"/>
               <a:pPr/>
-              <a:t>5/12/17</a:t>
+              <a:t>5/14/17</a:t>
             </a:fld>
             <a:endParaRPr lang="en-US"/>
           </a:p>
@@ -487,7 +487,7 @@
             <a:fld id="{43B08D0C-1E73-0A4F-82D9-254A22936925}" type="datetimeFigureOut">
               <a:rPr lang="en-US" smtClean="0"/>
               <a:pPr/>
-              <a:t>5/12/17</a:t>
+              <a:t>5/14/17</a:t>
             </a:fld>
             <a:endParaRPr lang="en-US"/>
           </a:p>
@@ -669,7 +669,7 @@
             <a:fld id="{43B08D0C-1E73-0A4F-82D9-254A22936925}" type="datetimeFigureOut">
               <a:rPr lang="en-US" smtClean="0"/>
               <a:pPr/>
-              <a:t>5/12/17</a:t>
+              <a:t>5/14/17</a:t>
             </a:fld>
             <a:endParaRPr lang="en-US"/>
           </a:p>
@@ -841,7 +841,7 @@
             <a:fld id="{43B08D0C-1E73-0A4F-82D9-254A22936925}" type="datetimeFigureOut">
               <a:rPr lang="en-US" smtClean="0"/>
               <a:pPr/>
-              <a:t>5/12/17</a:t>
+              <a:t>5/14/17</a:t>
             </a:fld>
             <a:endParaRPr lang="en-US"/>
           </a:p>
@@ -1089,7 +1089,7 @@
             <a:fld id="{43B08D0C-1E73-0A4F-82D9-254A22936925}" type="datetimeFigureOut">
               <a:rPr lang="en-US" smtClean="0"/>
               <a:pPr/>
-              <a:t>5/12/17</a:t>
+              <a:t>5/14/17</a:t>
             </a:fld>
             <a:endParaRPr lang="en-US"/>
           </a:p>
@@ -1379,7 +1379,7 @@
             <a:fld id="{43B08D0C-1E73-0A4F-82D9-254A22936925}" type="datetimeFigureOut">
               <a:rPr lang="en-US" smtClean="0"/>
               <a:pPr/>
-              <a:t>5/12/17</a:t>
+              <a:t>5/14/17</a:t>
             </a:fld>
             <a:endParaRPr lang="en-US"/>
           </a:p>
@@ -1808,7 +1808,7 @@
             <a:fld id="{43B08D0C-1E73-0A4F-82D9-254A22936925}" type="datetimeFigureOut">
               <a:rPr lang="en-US" smtClean="0"/>
               <a:pPr/>
-              <a:t>5/12/17</a:t>
+              <a:t>5/14/17</a:t>
             </a:fld>
             <a:endParaRPr lang="en-US"/>
           </a:p>
@@ -1928,7 +1928,7 @@
             <a:fld id="{43B08D0C-1E73-0A4F-82D9-254A22936925}" type="datetimeFigureOut">
               <a:rPr lang="en-US" smtClean="0"/>
               <a:pPr/>
-              <a:t>5/12/17</a:t>
+              <a:t>5/14/17</a:t>
             </a:fld>
             <a:endParaRPr lang="en-US"/>
           </a:p>
@@ -2025,7 +2025,7 @@
             <a:fld id="{43B08D0C-1E73-0A4F-82D9-254A22936925}" type="datetimeFigureOut">
               <a:rPr lang="en-US" smtClean="0"/>
               <a:pPr/>
-              <a:t>5/12/17</a:t>
+              <a:t>5/14/17</a:t>
             </a:fld>
             <a:endParaRPr lang="en-US"/>
           </a:p>
@@ -2304,7 +2304,7 @@
             <a:fld id="{43B08D0C-1E73-0A4F-82D9-254A22936925}" type="datetimeFigureOut">
               <a:rPr lang="en-US" smtClean="0"/>
               <a:pPr/>
-              <a:t>5/12/17</a:t>
+              <a:t>5/14/17</a:t>
             </a:fld>
             <a:endParaRPr lang="en-US"/>
           </a:p>
@@ -2559,7 +2559,7 @@
             <a:fld id="{43B08D0C-1E73-0A4F-82D9-254A22936925}" type="datetimeFigureOut">
               <a:rPr lang="en-US" smtClean="0"/>
               <a:pPr/>
-              <a:t>5/12/17</a:t>
+              <a:t>5/14/17</a:t>
             </a:fld>
             <a:endParaRPr lang="en-US"/>
           </a:p>
@@ -2774,7 +2774,7 @@
             <a:fld id="{43B08D0C-1E73-0A4F-82D9-254A22936925}" type="datetimeFigureOut">
               <a:rPr lang="en-US" smtClean="0"/>
               <a:pPr/>
-              <a:t>5/12/17</a:t>
+              <a:t>5/14/17</a:t>
             </a:fld>
             <a:endParaRPr lang="en-US"/>
           </a:p>
@@ -3283,7 +3283,7 @@
           </p:nvSpPr>
           <p:spPr>
             <a:xfrm>
-              <a:off x="5631078" y="3867473"/>
+              <a:off x="5631078" y="4667691"/>
               <a:ext cx="34140752" cy="1600437"/>
             </a:xfrm>
             <a:prstGeom prst="rect">
@@ -3292,7 +3292,7 @@
             <a:grpFill/>
           </p:spPr>
           <p:txBody>
-            <a:bodyPr wrap="square" rtlCol="0">
+            <a:bodyPr wrap="square" numCol="3" rtlCol="0">
               <a:spAutoFit/>
             </a:bodyPr>
             <a:lstStyle/>
@@ -3316,7 +3316,60 @@
                   <a:latin typeface="Avenir Book"/>
                   <a:cs typeface="Avenir Book"/>
                 </a:rPr>
-                <a:t> Farmer              Charles Stahl                Meir Hirsch</a:t>
+                <a:t> </a:t>
+              </a:r>
+              <a:r>
+                <a:rPr lang="en-US" sz="4800" dirty="0" smtClean="0">
+                  <a:solidFill>
+                    <a:srgbClr val="FFFFFF"/>
+                  </a:solidFill>
+                  <a:latin typeface="Avenir Book"/>
+                  <a:cs typeface="Avenir Book"/>
+                </a:rPr>
+                <a:t>Farmer</a:t>
+              </a:r>
+            </a:p>
+            <a:p>
+              <a:pPr algn="ctr"/>
+              <a:r>
+                <a:rPr lang="en-US" sz="2400" dirty="0">
+                  <a:solidFill>
+                    <a:srgbClr val="FFFFFF"/>
+                  </a:solidFill>
+                  <a:latin typeface="Avenir Book"/>
+                  <a:cs typeface="Avenir Book"/>
+                </a:rPr>
+                <a:t>Department of Computer </a:t>
+              </a:r>
+              <a:r>
+                <a:rPr lang="en-US" sz="2400" dirty="0" smtClean="0">
+                  <a:solidFill>
+                    <a:srgbClr val="FFFFFF"/>
+                  </a:solidFill>
+                  <a:latin typeface="Avenir Book"/>
+                  <a:cs typeface="Avenir Book"/>
+                </a:rPr>
+                <a:t>Science</a:t>
+              </a:r>
+              <a:endParaRPr lang="en-US" sz="2400" dirty="0" smtClean="0">
+                <a:solidFill>
+                  <a:srgbClr val="FFFFFF"/>
+                </a:solidFill>
+                <a:latin typeface="Avenir Book"/>
+                <a:cs typeface="Avenir Book"/>
+              </a:endParaRPr>
+            </a:p>
+            <a:p>
+              <a:pPr algn="ctr"/>
+              <a:r>
+                <a:rPr lang="en-US" sz="4800" dirty="0" smtClean="0">
+                  <a:solidFill>
+                    <a:srgbClr val="FFFFFF"/>
+                  </a:solidFill>
+                  <a:latin typeface="Avenir Book"/>
+                  <a:cs typeface="Avenir Book"/>
+                </a:rPr>
+                <a:t>Charles Stahl</a:t>
               </a:r>
             </a:p>
             <a:p>
@@ -3329,7 +3382,7 @@
                   <a:latin typeface="Avenir Book"/>
                   <a:cs typeface="Avenir Book"/>
                 </a:rPr>
-                <a:t>Department of Computer </a:t>
+                <a:t>Department </a:t>
               </a:r>
               <a:r>
                 <a:rPr lang="en-US" sz="2400" dirty="0">
@@ -3339,7 +3392,7 @@
                   <a:latin typeface="Avenir Book"/>
                   <a:cs typeface="Avenir Book"/>
                 </a:rPr>
-                <a:t>Science    </a:t>
+                <a:t>of </a:t>
               </a:r>
               <a:r>
                 <a:rPr lang="en-US" sz="2400" dirty="0" smtClean="0">
@@ -3349,7 +3402,7 @@
                   <a:latin typeface="Avenir Book"/>
                   <a:cs typeface="Avenir Book"/>
                 </a:rPr>
-                <a:t>                         </a:t>
+                <a:t>Physics</a:t>
               </a:r>
               <a:r>
                 <a:rPr lang="en-US" sz="2400" dirty="0">
@@ -3359,8 +3412,31 @@
                   <a:latin typeface="Avenir Book"/>
                   <a:cs typeface="Avenir Book"/>
                 </a:rPr>
-                <a:t>Department of Physics </a:t>
+                <a:t> </a:t>
               </a:r>
+              <a:endParaRPr lang="en-US" sz="2400" dirty="0" smtClean="0">
+                <a:solidFill>
+                  <a:srgbClr val="FFFFFF"/>
+                </a:solidFill>
+                <a:latin typeface="Avenir Book"/>
+                <a:cs typeface="Avenir Book"/>
+              </a:endParaRPr>
+            </a:p>
+            <a:p>
+              <a:pPr algn="ctr"/>
+              <a:r>
+                <a:rPr lang="en-US" sz="4800" dirty="0" smtClean="0">
+                  <a:solidFill>
+                    <a:srgbClr val="FFFFFF"/>
+                  </a:solidFill>
+                  <a:latin typeface="Avenir Book"/>
+                  <a:cs typeface="Avenir Book"/>
+                </a:rPr>
+                <a:t>Meir Hirsch</a:t>
+              </a:r>
+            </a:p>
+            <a:p>
+              <a:pPr algn="ctr"/>
               <a:r>
                 <a:rPr lang="en-US" sz="2400" dirty="0" smtClean="0">
                   <a:solidFill>
@@ -3369,9 +3445,9 @@
                   <a:latin typeface="Avenir Book"/>
                   <a:cs typeface="Avenir Book"/>
                 </a:rPr>
-                <a:t>                       Department of Computer Science </a:t>
+                <a:t>Department of Computer Science</a:t>
               </a:r>
-              <a:endParaRPr lang="en-US" sz="2400" dirty="0">
+              <a:endParaRPr lang="en-US" sz="2400" dirty="0" smtClean="0">
                 <a:solidFill>
                   <a:srgbClr val="FFFFFF"/>
                 </a:solidFill>
@@ -3390,7 +3466,7 @@
         </p:nvSpPr>
         <p:spPr>
           <a:xfrm>
-            <a:off x="1541681" y="16240984"/>
+            <a:off x="1541681" y="17623862"/>
             <a:ext cx="9541566" cy="718073"/>
           </a:xfrm>
           <a:prstGeom prst="rect">
@@ -3480,16 +3556,16 @@
       </p:sp>
       <p:grpSp>
         <p:nvGrpSpPr>
-          <p:cNvPr id="117" name="Group 116"/>
+          <p:cNvPr id="4" name="Group 3"/>
           <p:cNvGrpSpPr/>
           <p:nvPr/>
         </p:nvGrpSpPr>
         <p:grpSpPr>
           <a:xfrm>
-            <a:off x="1528026" y="6032191"/>
-            <a:ext cx="9598566" cy="9864397"/>
-            <a:chOff x="3267208" y="7048317"/>
-            <a:chExt cx="11038352" cy="10704990"/>
+            <a:off x="1541681" y="6032191"/>
+            <a:ext cx="9555218" cy="6838260"/>
+            <a:chOff x="1541681" y="6032191"/>
+            <a:chExt cx="9555218" cy="6838260"/>
           </a:xfrm>
         </p:grpSpPr>
         <p:sp>
@@ -3500,8 +3576,8 @@
           </p:nvSpPr>
           <p:spPr>
             <a:xfrm>
-              <a:off x="3298613" y="7048317"/>
-              <a:ext cx="10972800" cy="812391"/>
+              <a:off x="1555335" y="6032191"/>
+              <a:ext cx="9541564" cy="748599"/>
             </a:xfrm>
             <a:prstGeom prst="rect">
               <a:avLst/>
@@ -3544,61 +3620,14 @@
         </p:sp>
         <p:sp>
           <p:nvSpPr>
-            <p:cNvPr id="23" name="Rectangle 22"/>
-            <p:cNvSpPr/>
-            <p:nvPr/>
-          </p:nvSpPr>
-          <p:spPr>
-            <a:xfrm>
-              <a:off x="3332760" y="13755452"/>
-              <a:ext cx="10972800" cy="813817"/>
-            </a:xfrm>
-            <a:prstGeom prst="rect">
-              <a:avLst/>
-            </a:prstGeom>
-            <a:solidFill>
-              <a:srgbClr val="595959"/>
-            </a:solidFill>
-            <a:ln>
-              <a:noFill/>
-            </a:ln>
-          </p:spPr>
-          <p:style>
-            <a:lnRef idx="1">
-              <a:schemeClr val="accent1"/>
-            </a:lnRef>
-            <a:fillRef idx="3">
-              <a:schemeClr val="accent1"/>
-            </a:fillRef>
-            <a:effectRef idx="2">
-              <a:schemeClr val="accent1"/>
-            </a:effectRef>
-            <a:fontRef idx="minor">
-              <a:schemeClr val="lt1"/>
-            </a:fontRef>
-          </p:style>
-          <p:txBody>
-            <a:bodyPr rtlCol="0" anchor="ctr"/>
-            <a:lstStyle/>
-            <a:p>
-              <a:pPr algn="ctr"/>
-              <a:r>
-                <a:rPr lang="en-US" sz="3800" dirty="0"/>
-                <a:t>Research Questions</a:t>
-              </a:r>
-            </a:p>
-          </p:txBody>
-        </p:sp>
-        <p:sp>
-          <p:nvSpPr>
             <p:cNvPr id="57" name="TextBox 56"/>
             <p:cNvSpPr txBox="1"/>
             <p:nvPr/>
           </p:nvSpPr>
           <p:spPr>
             <a:xfrm>
-              <a:off x="3282911" y="8129908"/>
-              <a:ext cx="10972800" cy="4896494"/>
+              <a:off x="1541681" y="7028852"/>
+              <a:ext cx="9541564" cy="5841599"/>
             </a:xfrm>
             <a:prstGeom prst="rect">
               <a:avLst/>
@@ -3642,14 +3671,28 @@
                   <a:latin typeface="Avenir Book"/>
                   <a:cs typeface="Avenir Book"/>
                 </a:rPr>
-                <a:t>[1]. </a:t>
+                <a:t>[1]. 100 million people visit </a:t>
+              </a:r>
+              <a:r>
+                <a:rPr lang="en-US" sz="2400" dirty="0" err="1" smtClean="0">
+                  <a:latin typeface="Avenir Book"/>
+                  <a:cs typeface="Avenir Book"/>
+                </a:rPr>
+                <a:t>Quora</a:t>
+              </a:r>
+              <a:r>
+                <a:rPr lang="en-US" sz="2400" dirty="0" smtClean="0">
+                  <a:latin typeface="Avenir Book"/>
+                  <a:cs typeface="Avenir Book"/>
+                </a:rPr>
+                <a:t> every month to ask , answer, or view questions. Once </a:t>
               </a:r>
               <a:r>
                 <a:rPr lang="en-US" sz="2400" dirty="0">
                   <a:latin typeface="Avenir Book"/>
                   <a:cs typeface="Avenir Book"/>
                 </a:rPr>
-                <a:t>\_\_How popular?\_\_ Once these questions are answered, any other person should be able to find the responses. However, sometimes people are unable to find the questions they want and end up asking the same question again. This counteracts </a:t>
+                <a:t>these questions are answered, any other person should be able to find the responses. However, sometimes people are unable to find the questions they want and end up asking the same question again. This counteracts </a:t>
               </a:r>
               <a:r>
                 <a:rPr lang="en-US" sz="2400" dirty="0" err="1">
@@ -3670,12 +3713,123 @@
                   <a:latin typeface="Avenir Book"/>
                   <a:cs typeface="Avenir Book"/>
                 </a:rPr>
-                <a:t>version” [1].</a:t>
+                <a:t>version” [1]</a:t>
+              </a:r>
+              <a:r>
+                <a:rPr lang="en-US" sz="2400" dirty="0" smtClean="0">
+                  <a:latin typeface="Avenir Book"/>
+                  <a:cs typeface="Avenir Book"/>
+                </a:rPr>
+                <a:t>.</a:t>
+              </a:r>
+            </a:p>
+            <a:p>
+              <a:pPr>
+                <a:lnSpc>
+                  <a:spcPct val="120000"/>
+                </a:lnSpc>
+              </a:pPr>
+              <a:r>
+                <a:rPr lang="en-US" sz="2400" dirty="0" smtClean="0">
+                  <a:latin typeface="Avenir Book"/>
+                  <a:cs typeface="Avenir Book"/>
+                </a:rPr>
+                <a:t>The data were made available by </a:t>
+              </a:r>
+              <a:r>
+                <a:rPr lang="en-US" sz="2400" dirty="0" err="1" smtClean="0">
+                  <a:latin typeface="Avenir Book"/>
+                  <a:cs typeface="Avenir Book"/>
+                </a:rPr>
+                <a:t>Quora</a:t>
+              </a:r>
+              <a:r>
+                <a:rPr lang="en-US" sz="2400" dirty="0" smtClean="0">
+                  <a:latin typeface="Avenir Book"/>
+                  <a:cs typeface="Avenir Book"/>
+                </a:rPr>
+                <a:t> on </a:t>
+              </a:r>
+              <a:r>
+                <a:rPr lang="en-US" sz="2400" dirty="0" err="1" smtClean="0">
+                  <a:latin typeface="Avenir Book"/>
+                  <a:cs typeface="Avenir Book"/>
+                </a:rPr>
+                <a:t>Kaggle</a:t>
+              </a:r>
+              <a:r>
+                <a:rPr lang="en-US" sz="2400" dirty="0" smtClean="0">
+                  <a:latin typeface="Avenir Book"/>
+                  <a:cs typeface="Avenir Book"/>
+                </a:rPr>
+                <a:t>, a website that hosts data analysis competitions [2].</a:t>
               </a:r>
               <a:endParaRPr lang="en-US" sz="2400" dirty="0">
                 <a:latin typeface="Avenir Book"/>
                 <a:cs typeface="Avenir Book"/>
               </a:endParaRPr>
+            </a:p>
+          </p:txBody>
+        </p:sp>
+      </p:grpSp>
+      <p:grpSp>
+        <p:nvGrpSpPr>
+          <p:cNvPr id="3" name="Group 2"/>
+          <p:cNvGrpSpPr/>
+          <p:nvPr/>
+        </p:nvGrpSpPr>
+        <p:grpSpPr>
+          <a:xfrm>
+            <a:off x="1528026" y="13172206"/>
+            <a:ext cx="9598566" cy="4127129"/>
+            <a:chOff x="1528026" y="12212658"/>
+            <a:chExt cx="9598566" cy="4127129"/>
+          </a:xfrm>
+        </p:grpSpPr>
+        <p:sp>
+          <p:nvSpPr>
+            <p:cNvPr id="23" name="Rectangle 22"/>
+            <p:cNvSpPr/>
+            <p:nvPr/>
+          </p:nvSpPr>
+          <p:spPr>
+            <a:xfrm>
+              <a:off x="1585028" y="12212658"/>
+              <a:ext cx="9541564" cy="749913"/>
+            </a:xfrm>
+            <a:prstGeom prst="rect">
+              <a:avLst/>
+            </a:prstGeom>
+            <a:solidFill>
+              <a:srgbClr val="595959"/>
+            </a:solidFill>
+            <a:ln>
+              <a:noFill/>
+            </a:ln>
+          </p:spPr>
+          <p:style>
+            <a:lnRef idx="1">
+              <a:schemeClr val="accent1"/>
+            </a:lnRef>
+            <a:fillRef idx="3">
+              <a:schemeClr val="accent1"/>
+            </a:fillRef>
+            <a:effectRef idx="2">
+              <a:schemeClr val="accent1"/>
+            </a:effectRef>
+            <a:fontRef idx="minor">
+              <a:schemeClr val="lt1"/>
+            </a:fontRef>
+          </p:style>
+          <p:txBody>
+            <a:bodyPr rtlCol="0" anchor="ctr"/>
+            <a:lstStyle/>
+            <a:p>
+              <a:pPr algn="ctr"/>
+              <a:r>
+                <a:rPr lang="en-US" sz="3800" dirty="0"/>
+                <a:t>Research Questions</a:t>
+              </a:r>
             </a:p>
           </p:txBody>
         </p:sp>
@@ -3687,8 +3841,8 @@
           </p:nvSpPr>
           <p:spPr>
             <a:xfrm>
-              <a:off x="3267208" y="14780675"/>
-              <a:ext cx="10972800" cy="2972632"/>
+              <a:off x="1528026" y="13157377"/>
+              <a:ext cx="9541564" cy="3182410"/>
             </a:xfrm>
             <a:prstGeom prst="rect">
               <a:avLst/>
@@ -3712,8 +3866,35 @@
                   <a:latin typeface="Avenir Book"/>
                   <a:cs typeface="Avenir Book"/>
                 </a:rPr>
-                <a:t>What common features indicate that two questions are duplicates?</a:t>
+                <a:t>What common features indicate that two questions are duplicates</a:t>
               </a:r>
+              <a:r>
+                <a:rPr lang="en-US" sz="2400" dirty="0" smtClean="0">
+                  <a:latin typeface="Avenir Book"/>
+                  <a:cs typeface="Avenir Book"/>
+                </a:rPr>
+                <a:t>?</a:t>
+              </a:r>
+            </a:p>
+            <a:p>
+              <a:pPr marL="342900" indent="-342900">
+                <a:lnSpc>
+                  <a:spcPct val="120000"/>
+                </a:lnSpc>
+                <a:buFont typeface="Arial"/>
+                <a:buChar char="•"/>
+              </a:pPr>
+              <a:r>
+                <a:rPr lang="en-US" sz="2400" dirty="0" smtClean="0">
+                  <a:latin typeface="Avenir Book"/>
+                  <a:cs typeface="Avenir Book"/>
+                </a:rPr>
+                <a:t>How does word embedding improve prediction capability? </a:t>
+              </a:r>
+              <a:endParaRPr lang="en-US" sz="2400" dirty="0" smtClean="0">
+                <a:latin typeface="Avenir Book"/>
+                <a:cs typeface="Avenir Book"/>
+              </a:endParaRPr>
             </a:p>
             <a:p>
               <a:pPr marL="342900" indent="-342900">
@@ -3768,14 +3949,14 @@
                   <a:latin typeface="Avenir Book"/>
                   <a:cs typeface="Avenir Book"/>
                 </a:rPr>
-                <a:t>supervised</a:t>
+                <a:t>interpretable </a:t>
               </a:r>
               <a:r>
                 <a:rPr lang="en-US" sz="2400" dirty="0" smtClean="0">
                   <a:latin typeface="Avenir Book"/>
                   <a:cs typeface="Avenir Book"/>
                 </a:rPr>
-                <a:t> learning offer that neural networks do not?</a:t>
+                <a:t>learning offer that neural networks do not?</a:t>
               </a:r>
               <a:endParaRPr lang="en-US" sz="2400" dirty="0">
                 <a:latin typeface="Avenir Book"/>
@@ -3794,7 +3975,7 @@
         <p:spPr>
           <a:xfrm>
             <a:off x="25377179" y="23094083"/>
-            <a:ext cx="9541566" cy="395115"/>
+            <a:ext cx="9541566" cy="1010668"/>
           </a:xfrm>
           <a:prstGeom prst="rect">
             <a:avLst/>
@@ -3829,7 +4010,89 @@
                 <a:latin typeface="Avenir Book"/>
                 <a:cs typeface="Avenir Book"/>
               </a:rPr>
-              <a:t>/about</a:t>
+              <a:t>/</a:t>
+            </a:r>
+            <a:r>
+              <a:rPr lang="en-US" sz="2000" dirty="0" smtClean="0">
+                <a:latin typeface="Avenir Book"/>
+                <a:cs typeface="Avenir Book"/>
+              </a:rPr>
+              <a:t>about</a:t>
+            </a:r>
+          </a:p>
+          <a:p>
+            <a:pPr marL="457200" indent="-457200">
+              <a:buFont typeface="+mj-lt"/>
+              <a:buAutoNum type="arabicPeriod"/>
+            </a:pPr>
+            <a:r>
+              <a:rPr lang="en-US" sz="2000" dirty="0">
+                <a:latin typeface="Avenir Book"/>
+                <a:cs typeface="Avenir Book"/>
+              </a:rPr>
+              <a:t>https://</a:t>
+            </a:r>
+            <a:r>
+              <a:rPr lang="en-US" sz="2000" dirty="0" err="1">
+                <a:latin typeface="Avenir Book"/>
+                <a:cs typeface="Avenir Book"/>
+              </a:rPr>
+              <a:t>www.kaggle.com</a:t>
+            </a:r>
+            <a:r>
+              <a:rPr lang="en-US" sz="2000" dirty="0">
+                <a:latin typeface="Avenir Book"/>
+                <a:cs typeface="Avenir Book"/>
+              </a:rPr>
+              <a:t>/c/</a:t>
+            </a:r>
+            <a:r>
+              <a:rPr lang="en-US" sz="2000" dirty="0" err="1">
+                <a:latin typeface="Avenir Book"/>
+                <a:cs typeface="Avenir Book"/>
+              </a:rPr>
+              <a:t>quora</a:t>
+            </a:r>
+            <a:r>
+              <a:rPr lang="en-US" sz="2000" dirty="0">
+                <a:latin typeface="Avenir Book"/>
+                <a:cs typeface="Avenir Book"/>
+              </a:rPr>
+              <a:t>-question-</a:t>
+            </a:r>
+            <a:r>
+              <a:rPr lang="en-US" sz="2000" dirty="0" smtClean="0">
+                <a:latin typeface="Avenir Book"/>
+                <a:cs typeface="Avenir Book"/>
+              </a:rPr>
+              <a:t>pairs</a:t>
+            </a:r>
+          </a:p>
+          <a:p>
+            <a:pPr marL="457200" indent="-457200">
+              <a:buFont typeface="+mj-lt"/>
+              <a:buAutoNum type="arabicPeriod"/>
+            </a:pPr>
+            <a:r>
+              <a:rPr lang="en-US" sz="2000" dirty="0">
+                <a:latin typeface="Avenir Book"/>
+                <a:cs typeface="Avenir Book"/>
+              </a:rPr>
+              <a:t>http://</a:t>
+            </a:r>
+            <a:r>
+              <a:rPr lang="en-US" sz="2000" dirty="0" err="1">
+                <a:latin typeface="Avenir Book"/>
+                <a:cs typeface="Avenir Book"/>
+              </a:rPr>
+              <a:t>mccormickml.com</a:t>
+            </a:r>
+            <a:r>
+              <a:rPr lang="en-US" sz="2000" dirty="0">
+                <a:latin typeface="Avenir Book"/>
+                <a:cs typeface="Avenir Book"/>
+              </a:rPr>
+              <a:t>/2016/04/19/word2vec-tutorial-the-skip-gram-model/</a:t>
             </a:r>
             <a:endParaRPr lang="en-US" sz="2000" dirty="0" smtClean="0">
               <a:latin typeface="Avenir Book"/>
@@ -3846,7 +4109,7 @@
         </p:nvGrpSpPr>
         <p:grpSpPr>
           <a:xfrm>
-            <a:off x="25458268" y="6055282"/>
+            <a:off x="25377180" y="9582799"/>
             <a:ext cx="9548915" cy="1447162"/>
             <a:chOff x="16552413" y="8218542"/>
             <a:chExt cx="12919122" cy="1929552"/>
@@ -3945,7 +4208,7 @@
         </p:nvGrpSpPr>
         <p:grpSpPr>
           <a:xfrm>
-            <a:off x="25458265" y="10904548"/>
+            <a:off x="25328066" y="13830140"/>
             <a:ext cx="9566122" cy="1511586"/>
             <a:chOff x="31972386" y="6735448"/>
             <a:chExt cx="12942400" cy="2015446"/>
@@ -4073,10 +4336,10 @@
         </p:nvGrpSpPr>
         <p:grpSpPr>
           <a:xfrm>
-            <a:off x="1528026" y="20669904"/>
-            <a:ext cx="9555219" cy="1560507"/>
+            <a:off x="25314412" y="6062715"/>
+            <a:ext cx="9555219" cy="3163968"/>
             <a:chOff x="27673778" y="17045095"/>
-            <a:chExt cx="10988502" cy="1768574"/>
+            <a:chExt cx="10988502" cy="3585829"/>
           </a:xfrm>
         </p:grpSpPr>
         <p:sp>
@@ -4135,8 +4398,8 @@
           </p:nvSpPr>
           <p:spPr>
             <a:xfrm>
-              <a:off x="27689480" y="18220687"/>
-              <a:ext cx="10972800" cy="592982"/>
+              <a:off x="27689480" y="18028777"/>
+              <a:ext cx="10972800" cy="2602147"/>
             </a:xfrm>
             <a:prstGeom prst="rect">
               <a:avLst/>
@@ -4148,12 +4411,99 @@
             </a:bodyPr>
             <a:lstStyle/>
             <a:p>
-              <a:pPr>
+              <a:pPr marL="342900" indent="-342900">
                 <a:lnSpc>
                   <a:spcPct val="120000"/>
                 </a:lnSpc>
+                <a:buFont typeface="Arial"/>
+                <a:buChar char="•"/>
               </a:pPr>
-              <a:endParaRPr lang="en-US" sz="2400" b="1" dirty="0" smtClean="0">
+              <a:r>
+                <a:rPr lang="en-US" sz="2400" dirty="0" smtClean="0">
+                  <a:latin typeface="Avenir Book"/>
+                  <a:cs typeface="Avenir Book"/>
+                </a:rPr>
+                <a:t>Feature vectors from all </a:t>
+              </a:r>
+            </a:p>
+            <a:p>
+              <a:pPr marL="342900" indent="-342900">
+                <a:lnSpc>
+                  <a:spcPct val="120000"/>
+                </a:lnSpc>
+                <a:buFont typeface="Arial"/>
+                <a:buChar char="•"/>
+              </a:pPr>
+              <a:r>
+                <a:rPr lang="en-US" sz="2400" dirty="0" smtClean="0">
+                  <a:latin typeface="Avenir Book"/>
+                  <a:cs typeface="Avenir Book"/>
+                </a:rPr>
+                <a:t>Linear regression </a:t>
+              </a:r>
+              <a:r>
+                <a:rPr lang="mr-IN" sz="2400" dirty="0" smtClean="0">
+                  <a:latin typeface="Avenir Book"/>
+                  <a:cs typeface="Avenir Book"/>
+                </a:rPr>
+                <a:t>–</a:t>
+              </a:r>
+              <a:r>
+                <a:rPr lang="en-US" sz="2400" dirty="0" smtClean="0">
+                  <a:latin typeface="Avenir Book"/>
+                  <a:cs typeface="Avenir Book"/>
+                </a:rPr>
+                <a:t> baseline </a:t>
+              </a:r>
+            </a:p>
+            <a:p>
+              <a:pPr marL="342900" indent="-342900">
+                <a:lnSpc>
+                  <a:spcPct val="120000"/>
+                </a:lnSpc>
+                <a:buFont typeface="Arial"/>
+                <a:buChar char="•"/>
+              </a:pPr>
+              <a:r>
+                <a:rPr lang="en-US" sz="2400" dirty="0" smtClean="0">
+                  <a:latin typeface="Avenir Book"/>
+                  <a:cs typeface="Avenir Book"/>
+                </a:rPr>
+                <a:t>Logistic regression</a:t>
+              </a:r>
+            </a:p>
+            <a:p>
+              <a:pPr marL="342900" indent="-342900">
+                <a:lnSpc>
+                  <a:spcPct val="120000"/>
+                </a:lnSpc>
+                <a:buFont typeface="Arial"/>
+                <a:buChar char="•"/>
+              </a:pPr>
+              <a:r>
+                <a:rPr lang="en-US" sz="2400" dirty="0" smtClean="0">
+                  <a:latin typeface="Avenir Book"/>
+                  <a:cs typeface="Avenir Book"/>
+                </a:rPr>
+                <a:t>Stochastic gradient descent</a:t>
+              </a:r>
+            </a:p>
+            <a:p>
+              <a:pPr marL="342900" indent="-342900">
+                <a:lnSpc>
+                  <a:spcPct val="120000"/>
+                </a:lnSpc>
+                <a:buFont typeface="Arial"/>
+                <a:buChar char="•"/>
+              </a:pPr>
+              <a:r>
+                <a:rPr lang="en-US" sz="2400" dirty="0" smtClean="0">
+                  <a:latin typeface="Avenir Book"/>
+                  <a:cs typeface="Avenir Book"/>
+                </a:rPr>
+                <a:t>Random forest of decision trees</a:t>
+              </a:r>
+              <a:endParaRPr lang="en-US" sz="2400" dirty="0" smtClean="0">
                 <a:latin typeface="Avenir Book"/>
                 <a:cs typeface="Avenir Book"/>
               </a:endParaRPr>
@@ -4169,7 +4519,7 @@
         </p:nvSpPr>
         <p:spPr>
           <a:xfrm>
-            <a:off x="12433258" y="10311888"/>
+            <a:off x="12433258" y="10848106"/>
             <a:ext cx="11709485" cy="718073"/>
           </a:xfrm>
           <a:prstGeom prst="rect">
@@ -4217,7 +4567,7 @@
         </p:nvSpPr>
         <p:spPr>
           <a:xfrm>
-            <a:off x="25352623" y="18584126"/>
+            <a:off x="25328066" y="18584126"/>
             <a:ext cx="9541565" cy="718075"/>
           </a:xfrm>
           <a:prstGeom prst="rect">
@@ -4251,7 +4601,7 @@
             <a:pPr algn="ctr"/>
             <a:r>
               <a:rPr lang="en-US" sz="3800" dirty="0" smtClean="0"/>
-              <a:t>Takeaways</a:t>
+              <a:t>Looking Forward</a:t>
             </a:r>
             <a:endParaRPr lang="en-US" sz="3800" dirty="0"/>
           </a:p>
@@ -4266,7 +4616,7 @@
         <p:spPr>
           <a:xfrm>
             <a:off x="25377180" y="19486388"/>
-            <a:ext cx="9541565" cy="523220"/>
+            <a:ext cx="9541565" cy="2296013"/>
           </a:xfrm>
           <a:prstGeom prst="rect">
             <a:avLst/>
@@ -4286,6 +4636,27 @@
                 <a:spcPct val="120000"/>
               </a:lnSpc>
             </a:pPr>
+            <a:r>
+              <a:rPr lang="en-US" sz="2400" dirty="0" smtClean="0">
+                <a:latin typeface="Avenir Book"/>
+                <a:cs typeface="Avenir Book"/>
+              </a:rPr>
+              <a:t>Near future: finish training a word2vec model and getting a submission from that. Hopefully this will improve our standing.</a:t>
+            </a:r>
+          </a:p>
+          <a:p>
+            <a:pPr>
+              <a:lnSpc>
+                <a:spcPct val="120000"/>
+              </a:lnSpc>
+            </a:pPr>
+            <a:r>
+              <a:rPr lang="en-US" sz="2400" dirty="0" smtClean="0">
+                <a:latin typeface="Avenir Book"/>
+                <a:cs typeface="Avenir Book"/>
+              </a:rPr>
+              <a:t>Farther out: More thoroughly compare our interpretable results with the results from neural networks. On which pairs does the NN perform better? On which does our perform better?</a:t>
+            </a:r>
             <a:endParaRPr lang="en-US" sz="2400" dirty="0">
               <a:latin typeface="Avenir Book"/>
               <a:cs typeface="Avenir Book"/>
@@ -4331,8 +4702,8 @@
         </p:nvSpPr>
         <p:spPr>
           <a:xfrm>
-            <a:off x="1555335" y="17214520"/>
-            <a:ext cx="9541564" cy="2296013"/>
+            <a:off x="1555335" y="18597398"/>
+            <a:ext cx="9541564" cy="2739211"/>
           </a:xfrm>
           <a:prstGeom prst="rect">
             <a:avLst/>
@@ -4390,7 +4761,14 @@
                 <a:latin typeface="Avenir Book"/>
                 <a:cs typeface="Avenir Book"/>
               </a:rPr>
-              <a:t>Embeds words in pre-trained vector space</a:t>
+              <a:t>Embeds </a:t>
+            </a:r>
+            <a:r>
+              <a:rPr lang="en-US" sz="2400" dirty="0" smtClean="0">
+                <a:latin typeface="Avenir Book"/>
+                <a:cs typeface="Avenir Book"/>
+              </a:rPr>
+              <a:t>words in pre-trained vector space</a:t>
             </a:r>
             <a:endParaRPr lang="en-US" sz="2400" dirty="0">
               <a:latin typeface="Avenir Book"/>
@@ -4426,8 +4804,35 @@
                 <a:latin typeface="Avenir Book"/>
                 <a:cs typeface="Avenir Book"/>
               </a:rPr>
-              <a:t>Parts of speech</a:t>
-            </a:r>
+              <a:t>Parts of </a:t>
+            </a:r>
+            <a:r>
+              <a:rPr lang="en-US" sz="2400" dirty="0" smtClean="0">
+                <a:latin typeface="Avenir Book"/>
+                <a:cs typeface="Avenir Book"/>
+              </a:rPr>
+              <a:t>speech</a:t>
+            </a:r>
+          </a:p>
+          <a:p>
+            <a:pPr marL="342900" indent="-342900">
+              <a:lnSpc>
+                <a:spcPct val="120000"/>
+              </a:lnSpc>
+              <a:buFont typeface="Arial"/>
+              <a:buChar char="•"/>
+            </a:pPr>
+            <a:r>
+              <a:rPr lang="en-US" sz="2400" dirty="0" err="1" smtClean="0">
+                <a:latin typeface="Avenir Book"/>
+                <a:cs typeface="Avenir Book"/>
+              </a:rPr>
+              <a:t>Wordnet</a:t>
+            </a:r>
+            <a:endParaRPr lang="en-US" sz="2400" dirty="0" smtClean="0">
+              <a:latin typeface="Avenir Book"/>
+              <a:cs typeface="Avenir Book"/>
+            </a:endParaRPr>
           </a:p>
           <a:p>
             <a:pPr marL="342900" indent="-342900">
@@ -4501,7 +4906,7 @@
         <p:spPr>
           <a:xfrm>
             <a:off x="12433259" y="7017700"/>
-            <a:ext cx="11709484" cy="3182410"/>
+            <a:ext cx="11709484" cy="3625608"/>
           </a:xfrm>
           <a:prstGeom prst="rect">
             <a:avLst/>
@@ -4537,8 +4942,19 @@
                 <a:latin typeface="Avenir Book"/>
                 <a:cs typeface="Avenir Book"/>
               </a:rPr>
-              <a:t>Most non-duplicates are near-duplicates, and \_\_percentage\_\_</a:t>
-            </a:r>
+              <a:t>Most non-duplicates are near-duplicates, </a:t>
+            </a:r>
+            <a:r>
+              <a:rPr lang="en-US" sz="2400" dirty="0" smtClean="0">
+                <a:latin typeface="Avenir Book"/>
+                <a:cs typeface="Avenir Book"/>
+              </a:rPr>
+              <a:t>while </a:t>
+            </a:r>
+            <a:endParaRPr lang="en-US" sz="2400" dirty="0" smtClean="0">
+              <a:latin typeface="Avenir Book"/>
+              <a:cs typeface="Avenir Book"/>
+            </a:endParaRPr>
           </a:p>
           <a:p>
             <a:pPr marL="342900" indent="-342900">
@@ -4653,7 +5069,21 @@
                 <a:latin typeface="Avenir Book"/>
                 <a:cs typeface="Avenir Book"/>
               </a:rPr>
-              <a:t>2,345,806 pairs, \_\_#dups, percentage\_\_</a:t>
+              <a:t>2.3 million pairs</a:t>
+            </a:r>
+            <a:r>
+              <a:rPr lang="is-IS" sz="2400" dirty="0" smtClean="0">
+                <a:latin typeface="Avenir Book"/>
+                <a:cs typeface="Avenir Book"/>
+              </a:rPr>
+              <a:t>, </a:t>
+            </a:r>
+            <a:r>
+              <a:rPr lang="is-IS" sz="2400" dirty="0" smtClean="0">
+                <a:latin typeface="Avenir Book"/>
+                <a:cs typeface="Avenir Book"/>
+              </a:rPr>
+              <a:t>made from 4.2 million distinct questions. The testing set is unlabeled. </a:t>
             </a:r>
             <a:endParaRPr lang="en-US" sz="2400" dirty="0">
               <a:latin typeface="Avenir Book"/>
@@ -4670,8 +5100,8 @@
         </p:nvSpPr>
         <p:spPr>
           <a:xfrm>
-            <a:off x="25482823" y="6979224"/>
-            <a:ext cx="9524360" cy="966418"/>
+            <a:off x="25401735" y="10506741"/>
+            <a:ext cx="9524360" cy="3182410"/>
           </a:xfrm>
           <a:prstGeom prst="rect">
             <a:avLst/>
@@ -4694,29 +5124,263 @@
                 <a:latin typeface="Avenir Book"/>
                 <a:cs typeface="Avenir Book"/>
               </a:rPr>
-              <a:t>, </a:t>
-            </a:r>
-            <a:r>
-              <a:rPr lang="en-US" sz="2400" dirty="0">
+              <a:t>All methods were cross validated using the training data. </a:t>
+            </a:r>
+            <a:r>
+              <a:rPr lang="en-US" sz="2400" dirty="0" err="1" smtClean="0">
                 <a:latin typeface="Avenir Book"/>
                 <a:cs typeface="Avenir Book"/>
               </a:rPr>
-              <a:t>a right wing version, a western version, and an eastern version"~\cite{</a:t>
-            </a:r>
-            <a:r>
-              <a:rPr lang="en-US" sz="2400" dirty="0" err="1">
+              <a:t>Quora</a:t>
+            </a:r>
+            <a:r>
+              <a:rPr lang="en-US" sz="2400" dirty="0" smtClean="0">
                 <a:latin typeface="Avenir Book"/>
                 <a:cs typeface="Avenir Book"/>
               </a:rPr>
-              <a:t>quora</a:t>
-            </a:r>
-            <a:r>
-              <a:rPr lang="en-US" sz="2400" dirty="0">
+              <a:t> also provides an unlabeled test set. The website accepts submissions of probabilities for each pair in the test set. </a:t>
+            </a:r>
+          </a:p>
+          <a:p>
+            <a:pPr>
+              <a:lnSpc>
+                <a:spcPct val="120000"/>
+              </a:lnSpc>
+            </a:pPr>
+            <a:r>
+              <a:rPr lang="en-US" sz="2400" dirty="0" smtClean="0">
                 <a:latin typeface="Avenir Book"/>
                 <a:cs typeface="Avenir Book"/>
               </a:rPr>
-              <a:t>}.</a:t>
-            </a:r>
+              <a:t>Submissions to </a:t>
+            </a:r>
+            <a:r>
+              <a:rPr lang="en-US" sz="2400" dirty="0" err="1" smtClean="0">
+                <a:latin typeface="Avenir Book"/>
+                <a:cs typeface="Avenir Book"/>
+              </a:rPr>
+              <a:t>Kaggle</a:t>
+            </a:r>
+            <a:r>
+              <a:rPr lang="en-US" sz="2400" dirty="0" smtClean="0">
+                <a:latin typeface="Avenir Book"/>
+                <a:cs typeface="Avenir Book"/>
+              </a:rPr>
+              <a:t> were scored with a log-loss score, penalizing incorrect guesses with higher certainty. </a:t>
+            </a:r>
+          </a:p>
+          <a:p>
+            <a:pPr>
+              <a:lnSpc>
+                <a:spcPct val="120000"/>
+              </a:lnSpc>
+            </a:pPr>
+            <a:r>
+              <a:rPr lang="en-US" sz="2400" dirty="0" smtClean="0">
+                <a:latin typeface="Avenir Book"/>
+                <a:cs typeface="Avenir Book"/>
+              </a:rPr>
+              <a:t>Our best method, \_\_\_\_, achieved a log-loss of \_\_\_\_, putting us at \_\_\_\_ on the leaderboard for the challenge.</a:t>
+            </a:r>
+            <a:endParaRPr lang="en-US" sz="2400" dirty="0">
+              <a:latin typeface="Avenir Book"/>
+              <a:cs typeface="Avenir Book"/>
+            </a:endParaRPr>
+          </a:p>
+        </p:txBody>
+      </p:sp>
+      <p:grpSp>
+        <p:nvGrpSpPr>
+          <p:cNvPr id="6" name="Group 5"/>
+          <p:cNvGrpSpPr/>
+          <p:nvPr/>
+        </p:nvGrpSpPr>
+        <p:grpSpPr>
+          <a:xfrm>
+            <a:off x="1528026" y="20135743"/>
+            <a:ext cx="9564624" cy="5984322"/>
+            <a:chOff x="1528026" y="20135743"/>
+            <a:chExt cx="9564624" cy="5984322"/>
+          </a:xfrm>
+        </p:grpSpPr>
+        <p:pic>
+          <p:nvPicPr>
+            <p:cNvPr id="2" name="Picture 1" descr="skip_gram_net_arch.png"/>
+            <p:cNvPicPr>
+              <a:picLocks noChangeAspect="1"/>
+            </p:cNvPicPr>
+            <p:nvPr/>
+          </p:nvPicPr>
+          <p:blipFill>
+            <a:blip r:embed="rId3">
+              <a:extLst>
+                <a:ext uri="{28A0092B-C50C-407E-A947-70E740481C1C}">
+                  <a14:useLocalDpi xmlns:a14="http://schemas.microsoft.com/office/drawing/2010/main" val="0"/>
+                </a:ext>
+              </a:extLst>
+            </a:blip>
+            <a:stretch>
+              <a:fillRect/>
+            </a:stretch>
+          </p:blipFill>
+          <p:spPr>
+            <a:xfrm>
+              <a:off x="1528026" y="20135743"/>
+              <a:ext cx="9564624" cy="5974080"/>
+            </a:xfrm>
+            <a:prstGeom prst="rect">
+              <a:avLst/>
+            </a:prstGeom>
+          </p:spPr>
+        </p:pic>
+        <p:sp>
+          <p:nvSpPr>
+            <p:cNvPr id="36" name="Rectangle 35"/>
+            <p:cNvSpPr/>
+            <p:nvPr/>
+          </p:nvSpPr>
+          <p:spPr>
+            <a:xfrm>
+              <a:off x="8622180" y="25596845"/>
+              <a:ext cx="705264" cy="523220"/>
+            </a:xfrm>
+            <a:prstGeom prst="rect">
+              <a:avLst/>
+            </a:prstGeom>
+          </p:spPr>
+          <p:txBody>
+            <a:bodyPr wrap="square">
+              <a:spAutoFit/>
+            </a:bodyPr>
+            <a:lstStyle/>
+            <a:p>
+              <a:pPr>
+                <a:lnSpc>
+                  <a:spcPct val="120000"/>
+                </a:lnSpc>
+              </a:pPr>
+              <a:r>
+                <a:rPr lang="en-US" sz="2400" dirty="0" smtClean="0">
+                  <a:latin typeface="Avenir Book"/>
+                  <a:cs typeface="Avenir Book"/>
+                </a:rPr>
+                <a:t>[3]</a:t>
+              </a:r>
+              <a:endParaRPr lang="en-US" sz="2400" dirty="0">
+                <a:latin typeface="Lucida Sans Typewriter"/>
+                <a:cs typeface="Lucida Sans Typewriter"/>
+              </a:endParaRPr>
+            </a:p>
+          </p:txBody>
+        </p:sp>
+      </p:grpSp>
+      <p:sp>
+        <p:nvSpPr>
+          <p:cNvPr id="40" name="TextBox 39"/>
+          <p:cNvSpPr txBox="1"/>
+          <p:nvPr/>
+        </p:nvSpPr>
+        <p:spPr>
+          <a:xfrm>
+            <a:off x="12433257" y="12097946"/>
+            <a:ext cx="11709485" cy="523220"/>
+          </a:xfrm>
+          <a:prstGeom prst="rect">
+            <a:avLst/>
+          </a:prstGeom>
+          <a:noFill/>
+        </p:spPr>
+        <p:txBody>
+          <a:bodyPr wrap="square" rtlCol="0">
+            <a:spAutoFit/>
+          </a:bodyPr>
+          <a:lstStyle/>
+          <a:p>
+            <a:pPr>
+              <a:lnSpc>
+                <a:spcPct val="120000"/>
+              </a:lnSpc>
+            </a:pPr>
+            <a:r>
+              <a:rPr lang="en-US" sz="2400" dirty="0" smtClean="0">
+                <a:latin typeface="Avenir Book"/>
+                <a:cs typeface="Avenir Book"/>
+              </a:rPr>
+              <a:t>Method 1 </a:t>
+            </a:r>
+            <a:r>
+              <a:rPr lang="mr-IN" sz="2400" dirty="0" smtClean="0">
+                <a:latin typeface="Avenir Book"/>
+                <a:cs typeface="Avenir Book"/>
+              </a:rPr>
+              <a:t>–</a:t>
+            </a:r>
+            <a:r>
+              <a:rPr lang="en-US" sz="2400" dirty="0" smtClean="0">
+                <a:latin typeface="Avenir Book"/>
+                <a:cs typeface="Avenir Book"/>
+              </a:rPr>
+              <a:t> Word Counts</a:t>
+            </a:r>
+            <a:endParaRPr lang="en-US" sz="2400" dirty="0">
+              <a:latin typeface="Avenir Book"/>
+              <a:cs typeface="Avenir Book"/>
+            </a:endParaRPr>
+          </a:p>
+        </p:txBody>
+      </p:sp>
+      <p:sp>
+        <p:nvSpPr>
+          <p:cNvPr id="41" name="TextBox 40"/>
+          <p:cNvSpPr txBox="1"/>
+          <p:nvPr/>
+        </p:nvSpPr>
+        <p:spPr>
+          <a:xfrm>
+            <a:off x="12433257" y="18963168"/>
+            <a:ext cx="11709485" cy="523220"/>
+          </a:xfrm>
+          <a:prstGeom prst="rect">
+            <a:avLst/>
+          </a:prstGeom>
+          <a:noFill/>
+        </p:spPr>
+        <p:txBody>
+          <a:bodyPr wrap="square" rtlCol="0">
+            <a:spAutoFit/>
+          </a:bodyPr>
+          <a:lstStyle/>
+          <a:p>
+            <a:pPr>
+              <a:lnSpc>
+                <a:spcPct val="120000"/>
+              </a:lnSpc>
+            </a:pPr>
+            <a:r>
+              <a:rPr lang="en-US" sz="2400" dirty="0" smtClean="0">
+                <a:latin typeface="Avenir Book"/>
+                <a:cs typeface="Avenir Book"/>
+              </a:rPr>
+              <a:t>Method 1 </a:t>
+            </a:r>
+            <a:r>
+              <a:rPr lang="mr-IN" sz="2400" dirty="0" smtClean="0">
+                <a:latin typeface="Avenir Book"/>
+                <a:cs typeface="Avenir Book"/>
+              </a:rPr>
+              <a:t>–</a:t>
+            </a:r>
+            <a:r>
+              <a:rPr lang="en-US" sz="2400" dirty="0" smtClean="0">
+                <a:latin typeface="Avenir Book"/>
+                <a:cs typeface="Avenir Book"/>
+              </a:rPr>
+              <a:t> Word Counts</a:t>
+            </a:r>
+            <a:endParaRPr lang="en-US" sz="2400" dirty="0">
+              <a:latin typeface="Avenir Book"/>
+              <a:cs typeface="Avenir Book"/>
+            </a:endParaRPr>
           </a:p>
         </p:txBody>
       </p:sp>

--- a/cstahl_ehirsch_kfarmer_poster.pptx
+++ b/cstahl_ehirsch_kfarmer_poster.pptx
@@ -3506,54 +3506,6 @@
           </a:p>
         </p:txBody>
       </p:sp>
-      <p:sp>
-        <p:nvSpPr>
-          <p:cNvPr id="26" name="Rectangle 25"/>
-          <p:cNvSpPr/>
-          <p:nvPr/>
-        </p:nvSpPr>
-        <p:spPr>
-          <a:xfrm>
-            <a:off x="25377179" y="22081443"/>
-            <a:ext cx="9541566" cy="718073"/>
-          </a:xfrm>
-          <a:prstGeom prst="rect">
-            <a:avLst/>
-          </a:prstGeom>
-          <a:solidFill>
-            <a:srgbClr val="595959"/>
-          </a:solidFill>
-          <a:ln>
-            <a:noFill/>
-          </a:ln>
-        </p:spPr>
-        <p:style>
-          <a:lnRef idx="1">
-            <a:schemeClr val="accent1"/>
-          </a:lnRef>
-          <a:fillRef idx="3">
-            <a:schemeClr val="accent1"/>
-          </a:fillRef>
-          <a:effectRef idx="2">
-            <a:schemeClr val="accent1"/>
-          </a:effectRef>
-          <a:fontRef idx="minor">
-            <a:schemeClr val="lt1"/>
-          </a:fontRef>
-        </p:style>
-        <p:txBody>
-          <a:bodyPr lIns="86493" tIns="43247" rIns="86493" bIns="43247" rtlCol="0" anchor="ctr"/>
-          <a:lstStyle/>
-          <a:p>
-            <a:pPr algn="ctr"/>
-            <a:r>
-              <a:rPr lang="en-US" sz="3800" dirty="0" smtClean="0"/>
-              <a:t>References</a:t>
-            </a:r>
-            <a:endParaRPr lang="en-US" sz="3800" dirty="0"/>
-          </a:p>
-        </p:txBody>
-      </p:sp>
       <p:grpSp>
         <p:nvGrpSpPr>
           <p:cNvPr id="4" name="Group 3"/>
@@ -3939,7 +3891,7 @@
                   <a:latin typeface="Avenir Book"/>
                   <a:cs typeface="Avenir Book"/>
                 </a:rPr>
-                <a:t>What advantages does </a:t>
+                <a:t>What advantages does interpretable</a:t>
               </a:r>
               <a:r>
                 <a:rPr lang="en-US" sz="2400" dirty="0" smtClean="0">
@@ -3949,7 +3901,7 @@
                   <a:latin typeface="Avenir Book"/>
                   <a:cs typeface="Avenir Book"/>
                 </a:rPr>
-                <a:t>interpretable </a:t>
+                <a:t> </a:t>
               </a:r>
               <a:r>
                 <a:rPr lang="en-US" sz="2400" dirty="0" smtClean="0">
@@ -3966,165 +3918,30 @@
           </p:txBody>
         </p:sp>
       </p:grpSp>
-      <p:sp>
-        <p:nvSpPr>
-          <p:cNvPr id="60" name="Rectangle 59"/>
-          <p:cNvSpPr/>
-          <p:nvPr/>
-        </p:nvSpPr>
-        <p:spPr>
-          <a:xfrm>
-            <a:off x="25377179" y="23094083"/>
-            <a:ext cx="9541566" cy="1010668"/>
-          </a:xfrm>
-          <a:prstGeom prst="rect">
-            <a:avLst/>
-          </a:prstGeom>
-        </p:spPr>
-        <p:txBody>
-          <a:bodyPr wrap="square" lIns="86493" tIns="43247" rIns="86493" bIns="43247">
-            <a:spAutoFit/>
-          </a:bodyPr>
-          <a:lstStyle/>
-          <a:p>
-            <a:pPr marL="457200" indent="-457200">
-              <a:buFont typeface="+mj-lt"/>
-              <a:buAutoNum type="arabicPeriod"/>
-            </a:pPr>
-            <a:r>
-              <a:rPr lang="en-US" sz="2000" dirty="0">
-                <a:latin typeface="Avenir Book"/>
-                <a:cs typeface="Avenir Book"/>
-              </a:rPr>
-              <a:t>https://</a:t>
-            </a:r>
-            <a:r>
-              <a:rPr lang="en-US" sz="2000" dirty="0" err="1">
-                <a:latin typeface="Avenir Book"/>
-                <a:cs typeface="Avenir Book"/>
-              </a:rPr>
-              <a:t>www.quora.com</a:t>
-            </a:r>
-            <a:r>
-              <a:rPr lang="en-US" sz="2000" dirty="0">
-                <a:latin typeface="Avenir Book"/>
-                <a:cs typeface="Avenir Book"/>
-              </a:rPr>
-              <a:t>/</a:t>
-            </a:r>
-            <a:r>
-              <a:rPr lang="en-US" sz="2000" dirty="0" smtClean="0">
-                <a:latin typeface="Avenir Book"/>
-                <a:cs typeface="Avenir Book"/>
-              </a:rPr>
-              <a:t>about</a:t>
-            </a:r>
-          </a:p>
-          <a:p>
-            <a:pPr marL="457200" indent="-457200">
-              <a:buFont typeface="+mj-lt"/>
-              <a:buAutoNum type="arabicPeriod"/>
-            </a:pPr>
-            <a:r>
-              <a:rPr lang="en-US" sz="2000" dirty="0">
-                <a:latin typeface="Avenir Book"/>
-                <a:cs typeface="Avenir Book"/>
-              </a:rPr>
-              <a:t>https://</a:t>
-            </a:r>
-            <a:r>
-              <a:rPr lang="en-US" sz="2000" dirty="0" err="1">
-                <a:latin typeface="Avenir Book"/>
-                <a:cs typeface="Avenir Book"/>
-              </a:rPr>
-              <a:t>www.kaggle.com</a:t>
-            </a:r>
-            <a:r>
-              <a:rPr lang="en-US" sz="2000" dirty="0">
-                <a:latin typeface="Avenir Book"/>
-                <a:cs typeface="Avenir Book"/>
-              </a:rPr>
-              <a:t>/c/</a:t>
-            </a:r>
-            <a:r>
-              <a:rPr lang="en-US" sz="2000" dirty="0" err="1">
-                <a:latin typeface="Avenir Book"/>
-                <a:cs typeface="Avenir Book"/>
-              </a:rPr>
-              <a:t>quora</a:t>
-            </a:r>
-            <a:r>
-              <a:rPr lang="en-US" sz="2000" dirty="0">
-                <a:latin typeface="Avenir Book"/>
-                <a:cs typeface="Avenir Book"/>
-              </a:rPr>
-              <a:t>-question-</a:t>
-            </a:r>
-            <a:r>
-              <a:rPr lang="en-US" sz="2000" dirty="0" smtClean="0">
-                <a:latin typeface="Avenir Book"/>
-                <a:cs typeface="Avenir Book"/>
-              </a:rPr>
-              <a:t>pairs</a:t>
-            </a:r>
-          </a:p>
-          <a:p>
-            <a:pPr marL="457200" indent="-457200">
-              <a:buFont typeface="+mj-lt"/>
-              <a:buAutoNum type="arabicPeriod"/>
-            </a:pPr>
-            <a:r>
-              <a:rPr lang="en-US" sz="2000" dirty="0">
-                <a:latin typeface="Avenir Book"/>
-                <a:cs typeface="Avenir Book"/>
-              </a:rPr>
-              <a:t>http://</a:t>
-            </a:r>
-            <a:r>
-              <a:rPr lang="en-US" sz="2000" dirty="0" err="1">
-                <a:latin typeface="Avenir Book"/>
-                <a:cs typeface="Avenir Book"/>
-              </a:rPr>
-              <a:t>mccormickml.com</a:t>
-            </a:r>
-            <a:r>
-              <a:rPr lang="en-US" sz="2000" dirty="0">
-                <a:latin typeface="Avenir Book"/>
-                <a:cs typeface="Avenir Book"/>
-              </a:rPr>
-              <a:t>/2016/04/19/word2vec-tutorial-the-skip-gram-model/</a:t>
-            </a:r>
-            <a:endParaRPr lang="en-US" sz="2000" dirty="0" smtClean="0">
-              <a:latin typeface="Avenir Book"/>
-              <a:cs typeface="Avenir Book"/>
-            </a:endParaRPr>
-          </a:p>
-        </p:txBody>
-      </p:sp>
       <p:grpSp>
         <p:nvGrpSpPr>
-          <p:cNvPr id="75" name="Group 74"/>
+          <p:cNvPr id="15" name="Group 14"/>
           <p:cNvGrpSpPr/>
           <p:nvPr/>
         </p:nvGrpSpPr>
         <p:grpSpPr>
           <a:xfrm>
-            <a:off x="25377180" y="9582799"/>
-            <a:ext cx="9548915" cy="1447162"/>
-            <a:chOff x="16552413" y="8218542"/>
-            <a:chExt cx="12919122" cy="1929552"/>
+            <a:off x="25377179" y="22956325"/>
+            <a:ext cx="9541566" cy="2023308"/>
+            <a:chOff x="25377179" y="22081443"/>
+            <a:chExt cx="9541566" cy="2023308"/>
           </a:xfrm>
         </p:grpSpPr>
         <p:sp>
           <p:nvSpPr>
-            <p:cNvPr id="11" name="Rectangle 10"/>
+            <p:cNvPr id="26" name="Rectangle 25"/>
             <p:cNvSpPr/>
             <p:nvPr/>
           </p:nvSpPr>
           <p:spPr>
             <a:xfrm>
-              <a:off x="16552413" y="8218542"/>
-              <a:ext cx="12909176" cy="957431"/>
+              <a:off x="25377179" y="22081443"/>
+              <a:ext cx="9541566" cy="718073"/>
             </a:xfrm>
             <a:prstGeom prst="rect">
               <a:avLst/>
@@ -4151,13 +3968,13 @@
             </a:fontRef>
           </p:style>
           <p:txBody>
-            <a:bodyPr rtlCol="0" anchor="ctr"/>
+            <a:bodyPr lIns="86493" tIns="43247" rIns="86493" bIns="43247" rtlCol="0" anchor="ctr"/>
             <a:lstStyle/>
             <a:p>
               <a:pPr algn="ctr"/>
               <a:r>
                 <a:rPr lang="en-US" sz="3800" dirty="0" smtClean="0"/>
-                <a:t>Assessment </a:t>
+                <a:t>References</a:t>
               </a:r>
               <a:endParaRPr lang="en-US" sz="3800" dirty="0"/>
             </a:p>
@@ -4165,34 +3982,133 @@
         </p:sp>
         <p:sp>
           <p:nvSpPr>
-            <p:cNvPr id="61" name="Rectangle 60"/>
+            <p:cNvPr id="60" name="Rectangle 59"/>
             <p:cNvSpPr/>
             <p:nvPr/>
           </p:nvSpPr>
           <p:spPr>
             <a:xfrm>
-              <a:off x="16562360" y="9450466"/>
-              <a:ext cx="12909175" cy="697628"/>
+              <a:off x="25377179" y="23094083"/>
+              <a:ext cx="9541566" cy="1010668"/>
             </a:xfrm>
             <a:prstGeom prst="rect">
               <a:avLst/>
             </a:prstGeom>
-            <a:ln>
-              <a:noFill/>
-            </a:ln>
           </p:spPr>
           <p:txBody>
-            <a:bodyPr wrap="square">
+            <a:bodyPr wrap="square" lIns="86493" tIns="43247" rIns="86493" bIns="43247">
               <a:spAutoFit/>
             </a:bodyPr>
             <a:lstStyle/>
             <a:p>
-              <a:pPr lvl="0">
-                <a:lnSpc>
-                  <a:spcPct val="120000"/>
-                </a:lnSpc>
+              <a:pPr marL="457200" indent="-457200">
+                <a:buFont typeface="+mj-lt"/>
+                <a:buAutoNum type="arabicPeriod"/>
               </a:pPr>
-              <a:endParaRPr lang="en-US" sz="2400" dirty="0">
+              <a:r>
+                <a:rPr lang="en-US" sz="2000" dirty="0">
+                  <a:latin typeface="Avenir Book"/>
+                  <a:cs typeface="Avenir Book"/>
+                </a:rPr>
+                <a:t>https://</a:t>
+              </a:r>
+              <a:r>
+                <a:rPr lang="en-US" sz="2000" dirty="0" err="1">
+                  <a:latin typeface="Avenir Book"/>
+                  <a:cs typeface="Avenir Book"/>
+                </a:rPr>
+                <a:t>www.quora.com</a:t>
+              </a:r>
+              <a:r>
+                <a:rPr lang="en-US" sz="2000" dirty="0">
+                  <a:latin typeface="Avenir Book"/>
+                  <a:cs typeface="Avenir Book"/>
+                </a:rPr>
+                <a:t>/</a:t>
+              </a:r>
+              <a:r>
+                <a:rPr lang="en-US" sz="2000" dirty="0" smtClean="0">
+                  <a:latin typeface="Avenir Book"/>
+                  <a:cs typeface="Avenir Book"/>
+                </a:rPr>
+                <a:t>about</a:t>
+              </a:r>
+            </a:p>
+            <a:p>
+              <a:pPr marL="457200" indent="-457200">
+                <a:buFont typeface="+mj-lt"/>
+                <a:buAutoNum type="arabicPeriod"/>
+              </a:pPr>
+              <a:r>
+                <a:rPr lang="en-US" sz="2000" dirty="0">
+                  <a:latin typeface="Avenir Book"/>
+                  <a:cs typeface="Avenir Book"/>
+                </a:rPr>
+                <a:t>https://</a:t>
+              </a:r>
+              <a:r>
+                <a:rPr lang="en-US" sz="2000" dirty="0" err="1">
+                  <a:latin typeface="Avenir Book"/>
+                  <a:cs typeface="Avenir Book"/>
+                </a:rPr>
+                <a:t>www.kaggle.com</a:t>
+              </a:r>
+              <a:r>
+                <a:rPr lang="en-US" sz="2000" dirty="0">
+                  <a:latin typeface="Avenir Book"/>
+                  <a:cs typeface="Avenir Book"/>
+                </a:rPr>
+                <a:t>/c/</a:t>
+              </a:r>
+              <a:r>
+                <a:rPr lang="en-US" sz="2000" dirty="0" err="1">
+                  <a:latin typeface="Avenir Book"/>
+                  <a:cs typeface="Avenir Book"/>
+                </a:rPr>
+                <a:t>quora</a:t>
+              </a:r>
+              <a:r>
+                <a:rPr lang="en-US" sz="2000" dirty="0">
+                  <a:latin typeface="Avenir Book"/>
+                  <a:cs typeface="Avenir Book"/>
+                </a:rPr>
+                <a:t>-question-</a:t>
+              </a:r>
+              <a:r>
+                <a:rPr lang="en-US" sz="2000" dirty="0" smtClean="0">
+                  <a:latin typeface="Avenir Book"/>
+                  <a:cs typeface="Avenir Book"/>
+                </a:rPr>
+                <a:t>pairs</a:t>
+              </a:r>
+            </a:p>
+            <a:p>
+              <a:pPr marL="457200" indent="-457200">
+                <a:buFont typeface="+mj-lt"/>
+                <a:buAutoNum type="arabicPeriod"/>
+              </a:pPr>
+              <a:r>
+                <a:rPr lang="en-US" sz="2000" dirty="0">
+                  <a:latin typeface="Avenir Book"/>
+                  <a:cs typeface="Avenir Book"/>
+                </a:rPr>
+                <a:t>http://</a:t>
+              </a:r>
+              <a:r>
+                <a:rPr lang="en-US" sz="2000" dirty="0" err="1">
+                  <a:latin typeface="Avenir Book"/>
+                  <a:cs typeface="Avenir Book"/>
+                </a:rPr>
+                <a:t>mccormickml.com</a:t>
+              </a:r>
+              <a:r>
+                <a:rPr lang="en-US" sz="2000" dirty="0">
+                  <a:latin typeface="Avenir Book"/>
+                  <a:cs typeface="Avenir Book"/>
+                </a:rPr>
+                <a:t>/2016/04/19/word2vec-tutorial-the-skip-gram-model/</a:t>
+              </a:r>
+              <a:endParaRPr lang="en-US" sz="2000" dirty="0" smtClean="0">
                 <a:latin typeface="Avenir Book"/>
                 <a:cs typeface="Avenir Book"/>
               </a:endParaRPr>
@@ -4200,105 +4116,6 @@
           </p:txBody>
         </p:sp>
       </p:grpSp>
-      <p:grpSp>
-        <p:nvGrpSpPr>
-          <p:cNvPr id="70" name="Group 69"/>
-          <p:cNvGrpSpPr/>
-          <p:nvPr/>
-        </p:nvGrpSpPr>
-        <p:grpSpPr>
-          <a:xfrm>
-            <a:off x="25328066" y="13830140"/>
-            <a:ext cx="9566122" cy="1511586"/>
-            <a:chOff x="31972386" y="6735448"/>
-            <a:chExt cx="12942400" cy="2015446"/>
-          </a:xfrm>
-        </p:grpSpPr>
-        <p:sp>
-          <p:nvSpPr>
-            <p:cNvPr id="73" name="Rectangle 72"/>
-            <p:cNvSpPr/>
-            <p:nvPr/>
-          </p:nvSpPr>
-          <p:spPr>
-            <a:xfrm>
-              <a:off x="31972386" y="6735448"/>
-              <a:ext cx="12909176" cy="957432"/>
-            </a:xfrm>
-            <a:prstGeom prst="rect">
-              <a:avLst/>
-            </a:prstGeom>
-            <a:solidFill>
-              <a:srgbClr val="595959"/>
-            </a:solidFill>
-            <a:ln>
-              <a:noFill/>
-            </a:ln>
-          </p:spPr>
-          <p:style>
-            <a:lnRef idx="1">
-              <a:schemeClr val="accent1"/>
-            </a:lnRef>
-            <a:fillRef idx="3">
-              <a:schemeClr val="accent1"/>
-            </a:fillRef>
-            <a:effectRef idx="2">
-              <a:schemeClr val="accent1"/>
-            </a:effectRef>
-            <a:fontRef idx="minor">
-              <a:schemeClr val="lt1"/>
-            </a:fontRef>
-          </p:style>
-          <p:txBody>
-            <a:bodyPr rtlCol="0" anchor="ctr"/>
-            <a:lstStyle/>
-            <a:p>
-              <a:pPr algn="ctr"/>
-              <a:r>
-                <a:rPr lang="en-US" sz="3800" dirty="0" smtClean="0"/>
-                <a:t>Discussion &amp; Analysis</a:t>
-              </a:r>
-              <a:endParaRPr lang="en-US" sz="3800" dirty="0"/>
-            </a:p>
-          </p:txBody>
-        </p:sp>
-        <p:sp>
-          <p:nvSpPr>
-            <p:cNvPr id="72" name="Rectangle 71"/>
-            <p:cNvSpPr/>
-            <p:nvPr/>
-          </p:nvSpPr>
-          <p:spPr>
-            <a:xfrm>
-              <a:off x="32005610" y="8053268"/>
-              <a:ext cx="12909176" cy="697626"/>
-            </a:xfrm>
-            <a:prstGeom prst="rect">
-              <a:avLst/>
-            </a:prstGeom>
-            <a:ln>
-              <a:noFill/>
-            </a:ln>
-          </p:spPr>
-          <p:txBody>
-            <a:bodyPr wrap="square">
-              <a:spAutoFit/>
-            </a:bodyPr>
-            <a:lstStyle/>
-            <a:p>
-              <a:pPr>
-                <a:lnSpc>
-                  <a:spcPct val="120000"/>
-                </a:lnSpc>
-              </a:pPr>
-              <a:endParaRPr lang="en-US" sz="2400" b="1" dirty="0">
-                <a:latin typeface="Avenir Book"/>
-                <a:cs typeface="Avenir Book"/>
-              </a:endParaRPr>
-            </a:p>
-          </p:txBody>
-        </p:sp>
-      </p:grpSp>
       <p:sp>
         <p:nvSpPr>
           <p:cNvPr id="56" name="TextBox 55"/>
@@ -4307,7 +4124,7 @@
         </p:nvSpPr>
         <p:spPr>
           <a:xfrm>
-            <a:off x="30814789" y="26216468"/>
+            <a:off x="30814789" y="25821360"/>
             <a:ext cx="3828492" cy="548228"/>
           </a:xfrm>
           <a:prstGeom prst="rect">
@@ -4336,7 +4153,7 @@
         </p:nvGrpSpPr>
         <p:grpSpPr>
           <a:xfrm>
-            <a:off x="25314412" y="6062715"/>
+            <a:off x="25314412" y="11199120"/>
             <a:ext cx="9555219" cy="3163968"/>
             <a:chOff x="27673778" y="17045095"/>
             <a:chExt cx="10988502" cy="3585829"/>
@@ -4503,10 +4320,6 @@
                 </a:rPr>
                 <a:t>Random forest of decision trees</a:t>
               </a:r>
-              <a:endParaRPr lang="en-US" sz="2400" dirty="0" smtClean="0">
-                <a:latin typeface="Avenir Book"/>
-                <a:cs typeface="Avenir Book"/>
-              </a:endParaRPr>
             </a:p>
           </p:txBody>
         </p:sp>
@@ -4519,7 +4332,7 @@
         </p:nvSpPr>
         <p:spPr>
           <a:xfrm>
-            <a:off x="12433258" y="10848106"/>
+            <a:off x="12433258" y="10509442"/>
             <a:ext cx="11709485" cy="718073"/>
           </a:xfrm>
           <a:prstGeom prst="rect">
@@ -4559,111 +4372,151 @@
           </a:p>
         </p:txBody>
       </p:sp>
-      <p:sp>
-        <p:nvSpPr>
-          <p:cNvPr id="44" name="Rectangle 43"/>
-          <p:cNvSpPr/>
+      <p:grpSp>
+        <p:nvGrpSpPr>
+          <p:cNvPr id="16" name="Group 15"/>
+          <p:cNvGrpSpPr/>
           <p:nvPr/>
-        </p:nvSpPr>
-        <p:spPr>
+        </p:nvGrpSpPr>
+        <p:grpSpPr>
           <a:xfrm>
-            <a:off x="25328066" y="18584126"/>
-            <a:ext cx="9541565" cy="718075"/>
+            <a:off x="25328066" y="19063900"/>
+            <a:ext cx="9590679" cy="3419874"/>
+            <a:chOff x="25328066" y="18584126"/>
+            <a:chExt cx="9590679" cy="3419874"/>
           </a:xfrm>
-          <a:prstGeom prst="rect">
-            <a:avLst/>
-          </a:prstGeom>
-          <a:solidFill>
-            <a:srgbClr val="595959"/>
-          </a:solidFill>
-          <a:ln>
-            <a:noFill/>
-          </a:ln>
-        </p:spPr>
-        <p:style>
-          <a:lnRef idx="1">
-            <a:schemeClr val="accent1"/>
-          </a:lnRef>
-          <a:fillRef idx="3">
-            <a:schemeClr val="accent1"/>
-          </a:fillRef>
-          <a:effectRef idx="2">
-            <a:schemeClr val="accent1"/>
-          </a:effectRef>
-          <a:fontRef idx="minor">
-            <a:schemeClr val="lt1"/>
-          </a:fontRef>
-        </p:style>
-        <p:txBody>
-          <a:bodyPr rtlCol="0" anchor="ctr"/>
-          <a:lstStyle/>
-          <a:p>
-            <a:pPr algn="ctr"/>
-            <a:r>
-              <a:rPr lang="en-US" sz="3800" dirty="0" smtClean="0"/>
-              <a:t>Looking Forward</a:t>
-            </a:r>
-            <a:endParaRPr lang="en-US" sz="3800" dirty="0"/>
-          </a:p>
-        </p:txBody>
-      </p:sp>
-      <p:sp>
-        <p:nvSpPr>
-          <p:cNvPr id="45" name="Rectangle 44"/>
-          <p:cNvSpPr/>
-          <p:nvPr/>
-        </p:nvSpPr>
-        <p:spPr>
-          <a:xfrm>
-            <a:off x="25377180" y="19486388"/>
-            <a:ext cx="9541565" cy="2296013"/>
-          </a:xfrm>
-          <a:prstGeom prst="rect">
-            <a:avLst/>
-          </a:prstGeom>
-          <a:ln>
-            <a:noFill/>
-          </a:ln>
-        </p:spPr>
-        <p:txBody>
-          <a:bodyPr wrap="square">
-            <a:spAutoFit/>
-          </a:bodyPr>
-          <a:lstStyle/>
-          <a:p>
-            <a:pPr>
-              <a:lnSpc>
-                <a:spcPct val="120000"/>
-              </a:lnSpc>
-            </a:pPr>
-            <a:r>
-              <a:rPr lang="en-US" sz="2400" dirty="0" smtClean="0">
+        </p:grpSpPr>
+        <p:sp>
+          <p:nvSpPr>
+            <p:cNvPr id="44" name="Rectangle 43"/>
+            <p:cNvSpPr/>
+            <p:nvPr/>
+          </p:nvSpPr>
+          <p:spPr>
+            <a:xfrm>
+              <a:off x="25328066" y="18584126"/>
+              <a:ext cx="9541565" cy="718075"/>
+            </a:xfrm>
+            <a:prstGeom prst="rect">
+              <a:avLst/>
+            </a:prstGeom>
+            <a:solidFill>
+              <a:srgbClr val="595959"/>
+            </a:solidFill>
+            <a:ln>
+              <a:noFill/>
+            </a:ln>
+          </p:spPr>
+          <p:style>
+            <a:lnRef idx="1">
+              <a:schemeClr val="accent1"/>
+            </a:lnRef>
+            <a:fillRef idx="3">
+              <a:schemeClr val="accent1"/>
+            </a:fillRef>
+            <a:effectRef idx="2">
+              <a:schemeClr val="accent1"/>
+            </a:effectRef>
+            <a:fontRef idx="minor">
+              <a:schemeClr val="lt1"/>
+            </a:fontRef>
+          </p:style>
+          <p:txBody>
+            <a:bodyPr rtlCol="0" anchor="ctr"/>
+            <a:lstStyle/>
+            <a:p>
+              <a:pPr algn="ctr"/>
+              <a:r>
+                <a:rPr lang="en-US" sz="3800" dirty="0" smtClean="0"/>
+                <a:t>Looking Forward</a:t>
+              </a:r>
+              <a:endParaRPr lang="en-US" sz="3800" dirty="0"/>
+            </a:p>
+          </p:txBody>
+        </p:sp>
+        <p:sp>
+          <p:nvSpPr>
+            <p:cNvPr id="45" name="Rectangle 44"/>
+            <p:cNvSpPr/>
+            <p:nvPr/>
+          </p:nvSpPr>
+          <p:spPr>
+            <a:xfrm>
+              <a:off x="25377180" y="19486388"/>
+              <a:ext cx="9541565" cy="2517612"/>
+            </a:xfrm>
+            <a:prstGeom prst="rect">
+              <a:avLst/>
+            </a:prstGeom>
+            <a:ln>
+              <a:noFill/>
+            </a:ln>
+          </p:spPr>
+          <p:txBody>
+            <a:bodyPr wrap="square">
+              <a:spAutoFit/>
+            </a:bodyPr>
+            <a:lstStyle/>
+            <a:p>
+              <a:pPr>
+                <a:lnSpc>
+                  <a:spcPct val="120000"/>
+                </a:lnSpc>
+              </a:pPr>
+              <a:r>
+                <a:rPr lang="en-US" sz="2400" b="1" dirty="0" smtClean="0">
+                  <a:latin typeface="Avenir Book"/>
+                  <a:cs typeface="Avenir Book"/>
+                </a:rPr>
+                <a:t>Next Steps</a:t>
+              </a:r>
+              <a:r>
+                <a:rPr lang="en-US" sz="2400" dirty="0" smtClean="0">
+                  <a:latin typeface="Avenir Book"/>
+                  <a:cs typeface="Avenir Book"/>
+                </a:rPr>
+                <a:t>: finish training a word2vec model and getting a submission from that. Hopefully this will improve our standing.</a:t>
+              </a:r>
+            </a:p>
+            <a:p>
+              <a:pPr>
+                <a:lnSpc>
+                  <a:spcPct val="120000"/>
+                </a:lnSpc>
+              </a:pPr>
+              <a:endParaRPr lang="en-US" sz="1200" dirty="0" smtClean="0">
                 <a:latin typeface="Avenir Book"/>
                 <a:cs typeface="Avenir Book"/>
-              </a:rPr>
-              <a:t>Near future: finish training a word2vec model and getting a submission from that. Hopefully this will improve our standing.</a:t>
-            </a:r>
-          </a:p>
-          <a:p>
-            <a:pPr>
-              <a:lnSpc>
-                <a:spcPct val="120000"/>
-              </a:lnSpc>
-            </a:pPr>
-            <a:r>
-              <a:rPr lang="en-US" sz="2400" dirty="0" smtClean="0">
+              </a:endParaRPr>
+            </a:p>
+            <a:p>
+              <a:pPr>
+                <a:lnSpc>
+                  <a:spcPct val="120000"/>
+                </a:lnSpc>
+              </a:pPr>
+              <a:r>
+                <a:rPr lang="en-US" sz="2400" b="1" dirty="0" smtClean="0">
+                  <a:latin typeface="Avenir Book"/>
+                  <a:cs typeface="Avenir Book"/>
+                </a:rPr>
+                <a:t>Long Term: </a:t>
+              </a:r>
+              <a:r>
+                <a:rPr lang="en-US" sz="2400" dirty="0" smtClean="0">
+                  <a:latin typeface="Avenir Book"/>
+                  <a:cs typeface="Avenir Book"/>
+                </a:rPr>
+                <a:t>More thoroughly compare our interpretable results with the results from neural networks. On which pairs does the NN perform better? On which does our perform better?</a:t>
+              </a:r>
+              <a:endParaRPr lang="en-US" sz="2400" dirty="0">
                 <a:latin typeface="Avenir Book"/>
                 <a:cs typeface="Avenir Book"/>
-              </a:rPr>
-              <a:t>Farther out: More thoroughly compare our interpretable results with the results from neural networks. On which pairs does the NN perform better? On which does our perform better?</a:t>
-            </a:r>
-            <a:endParaRPr lang="en-US" sz="2400" dirty="0">
-              <a:latin typeface="Avenir Book"/>
-              <a:cs typeface="Avenir Book"/>
-            </a:endParaRPr>
-          </a:p>
-        </p:txBody>
-      </p:sp>
+              </a:endParaRPr>
+            </a:p>
+          </p:txBody>
+        </p:sp>
+      </p:grpSp>
       <p:pic>
         <p:nvPicPr>
           <p:cNvPr id="14" name="Picture 13" descr="princeton_logo.png"/>
@@ -4905,7 +4758,7 @@
         </p:nvSpPr>
         <p:spPr>
           <a:xfrm>
-            <a:off x="12433259" y="7017700"/>
+            <a:off x="12433259" y="6848368"/>
             <a:ext cx="11709484" cy="3625608"/>
           </a:xfrm>
           <a:prstGeom prst="rect">
@@ -5085,110 +4938,234 @@
               </a:rPr>
               <a:t>made from 4.2 million distinct questions. The testing set is unlabeled. </a:t>
             </a:r>
-            <a:endParaRPr lang="en-US" sz="2400" dirty="0">
-              <a:latin typeface="Avenir Book"/>
-              <a:cs typeface="Avenir Book"/>
-            </a:endParaRPr>
-          </a:p>
-        </p:txBody>
-      </p:sp>
-      <p:sp>
-        <p:nvSpPr>
-          <p:cNvPr id="33" name="TextBox 32"/>
-          <p:cNvSpPr txBox="1"/>
+          </a:p>
+        </p:txBody>
+      </p:sp>
+      <p:grpSp>
+        <p:nvGrpSpPr>
+          <p:cNvPr id="7" name="Group 6"/>
+          <p:cNvGrpSpPr/>
           <p:nvPr/>
-        </p:nvSpPr>
-        <p:spPr>
+        </p:nvGrpSpPr>
+        <p:grpSpPr>
           <a:xfrm>
-            <a:off x="25401735" y="10506741"/>
-            <a:ext cx="9524360" cy="3182410"/>
+            <a:off x="25377180" y="14739773"/>
+            <a:ext cx="9548915" cy="3965252"/>
+            <a:chOff x="25377180" y="9723899"/>
+            <a:chExt cx="9548915" cy="3965252"/>
           </a:xfrm>
-          <a:prstGeom prst="rect">
-            <a:avLst/>
-          </a:prstGeom>
-          <a:noFill/>
-        </p:spPr>
-        <p:txBody>
-          <a:bodyPr wrap="square" rtlCol="0">
-            <a:spAutoFit/>
-          </a:bodyPr>
-          <a:lstStyle/>
-          <a:p>
-            <a:pPr>
-              <a:lnSpc>
-                <a:spcPct val="120000"/>
-              </a:lnSpc>
-            </a:pPr>
-            <a:r>
-              <a:rPr lang="en-US" sz="2400" dirty="0" smtClean="0">
+        </p:grpSpPr>
+        <p:grpSp>
+          <p:nvGrpSpPr>
+            <p:cNvPr id="75" name="Group 74"/>
+            <p:cNvGrpSpPr/>
+            <p:nvPr/>
+          </p:nvGrpSpPr>
+          <p:grpSpPr>
+            <a:xfrm>
+              <a:off x="25377180" y="9723899"/>
+              <a:ext cx="9548915" cy="1306052"/>
+              <a:chOff x="16552413" y="8406687"/>
+              <a:chExt cx="12919122" cy="1741407"/>
+            </a:xfrm>
+          </p:grpSpPr>
+          <p:sp>
+            <p:nvSpPr>
+              <p:cNvPr id="11" name="Rectangle 10"/>
+              <p:cNvSpPr/>
+              <p:nvPr/>
+            </p:nvSpPr>
+            <p:spPr>
+              <a:xfrm>
+                <a:off x="16552413" y="8406687"/>
+                <a:ext cx="12909177" cy="957431"/>
+              </a:xfrm>
+              <a:prstGeom prst="rect">
+                <a:avLst/>
+              </a:prstGeom>
+              <a:solidFill>
+                <a:srgbClr val="595959"/>
+              </a:solidFill>
+              <a:ln>
+                <a:noFill/>
+              </a:ln>
+            </p:spPr>
+            <p:style>
+              <a:lnRef idx="1">
+                <a:schemeClr val="accent1"/>
+              </a:lnRef>
+              <a:fillRef idx="3">
+                <a:schemeClr val="accent1"/>
+              </a:fillRef>
+              <a:effectRef idx="2">
+                <a:schemeClr val="accent1"/>
+              </a:effectRef>
+              <a:fontRef idx="minor">
+                <a:schemeClr val="lt1"/>
+              </a:fontRef>
+            </p:style>
+            <p:txBody>
+              <a:bodyPr rtlCol="0" anchor="ctr"/>
+              <a:lstStyle/>
+              <a:p>
+                <a:pPr algn="ctr"/>
+                <a:r>
+                  <a:rPr lang="en-US" sz="3800" dirty="0" smtClean="0"/>
+                  <a:t>Assessment </a:t>
+                </a:r>
+                <a:endParaRPr lang="en-US" sz="3800" dirty="0"/>
+              </a:p>
+            </p:txBody>
+          </p:sp>
+          <p:sp>
+            <p:nvSpPr>
+              <p:cNvPr id="61" name="Rectangle 60"/>
+              <p:cNvSpPr/>
+              <p:nvPr/>
+            </p:nvSpPr>
+            <p:spPr>
+              <a:xfrm>
+                <a:off x="16562360" y="9450466"/>
+                <a:ext cx="12909175" cy="697628"/>
+              </a:xfrm>
+              <a:prstGeom prst="rect">
+                <a:avLst/>
+              </a:prstGeom>
+              <a:ln>
+                <a:noFill/>
+              </a:ln>
+            </p:spPr>
+            <p:txBody>
+              <a:bodyPr wrap="square">
+                <a:spAutoFit/>
+              </a:bodyPr>
+              <a:lstStyle/>
+              <a:p>
+                <a:pPr lvl="0">
+                  <a:lnSpc>
+                    <a:spcPct val="120000"/>
+                  </a:lnSpc>
+                </a:pPr>
+                <a:endParaRPr lang="en-US" sz="2400" dirty="0">
+                  <a:latin typeface="Avenir Book"/>
+                  <a:cs typeface="Avenir Book"/>
+                </a:endParaRPr>
+              </a:p>
+            </p:txBody>
+          </p:sp>
+        </p:grpSp>
+        <p:sp>
+          <p:nvSpPr>
+            <p:cNvPr id="33" name="TextBox 32"/>
+            <p:cNvSpPr txBox="1"/>
+            <p:nvPr/>
+          </p:nvSpPr>
+          <p:spPr>
+            <a:xfrm>
+              <a:off x="25401735" y="10506741"/>
+              <a:ext cx="9524360" cy="3182410"/>
+            </a:xfrm>
+            <a:prstGeom prst="rect">
+              <a:avLst/>
+            </a:prstGeom>
+            <a:noFill/>
+          </p:spPr>
+          <p:txBody>
+            <a:bodyPr wrap="square" rtlCol="0">
+              <a:spAutoFit/>
+            </a:bodyPr>
+            <a:lstStyle/>
+            <a:p>
+              <a:pPr>
+                <a:lnSpc>
+                  <a:spcPct val="120000"/>
+                </a:lnSpc>
+              </a:pPr>
+              <a:r>
+                <a:rPr lang="en-US" sz="2400" dirty="0" smtClean="0">
+                  <a:latin typeface="Avenir Book"/>
+                  <a:cs typeface="Avenir Book"/>
+                </a:rPr>
+                <a:t>All methods were cross validated using the training data. </a:t>
+              </a:r>
+              <a:r>
+                <a:rPr lang="en-US" sz="2400" dirty="0" err="1" smtClean="0">
+                  <a:latin typeface="Avenir Book"/>
+                  <a:cs typeface="Avenir Book"/>
+                </a:rPr>
+                <a:t>Quora</a:t>
+              </a:r>
+              <a:r>
+                <a:rPr lang="en-US" sz="2400" dirty="0" smtClean="0">
+                  <a:latin typeface="Avenir Book"/>
+                  <a:cs typeface="Avenir Book"/>
+                </a:rPr>
+                <a:t> also provides an unlabeled test set. The website accepts submissions of probabilities for each pair in the test set. </a:t>
+              </a:r>
+            </a:p>
+            <a:p>
+              <a:pPr>
+                <a:lnSpc>
+                  <a:spcPct val="120000"/>
+                </a:lnSpc>
+              </a:pPr>
+              <a:r>
+                <a:rPr lang="en-US" sz="2400" dirty="0" smtClean="0">
+                  <a:latin typeface="Avenir Book"/>
+                  <a:cs typeface="Avenir Book"/>
+                </a:rPr>
+                <a:t>Submissions to </a:t>
+              </a:r>
+              <a:r>
+                <a:rPr lang="en-US" sz="2400" dirty="0" err="1" smtClean="0">
+                  <a:latin typeface="Avenir Book"/>
+                  <a:cs typeface="Avenir Book"/>
+                </a:rPr>
+                <a:t>Kaggle</a:t>
+              </a:r>
+              <a:r>
+                <a:rPr lang="en-US" sz="2400" dirty="0" smtClean="0">
+                  <a:latin typeface="Avenir Book"/>
+                  <a:cs typeface="Avenir Book"/>
+                </a:rPr>
+                <a:t> were scored with a log-loss score, penalizing incorrect guesses with higher certainty. </a:t>
+              </a:r>
+            </a:p>
+            <a:p>
+              <a:pPr>
+                <a:lnSpc>
+                  <a:spcPct val="120000"/>
+                </a:lnSpc>
+              </a:pPr>
+              <a:r>
+                <a:rPr lang="en-US" sz="2400" dirty="0" smtClean="0">
+                  <a:latin typeface="Avenir Book"/>
+                  <a:cs typeface="Avenir Book"/>
+                </a:rPr>
+                <a:t>Our best method so far, word counts, achieved a log-loss of 0.3825, putting us </a:t>
+              </a:r>
+              <a:r>
+                <a:rPr lang="en-US" sz="2400" dirty="0">
+                  <a:latin typeface="Avenir Book"/>
+                  <a:cs typeface="Avenir Book"/>
+                </a:rPr>
+                <a:t>at </a:t>
+              </a:r>
+              <a:r>
+                <a:rPr lang="en-US" sz="2400" dirty="0" smtClean="0">
+                  <a:latin typeface="Avenir Book"/>
+                  <a:cs typeface="Avenir Book"/>
+                </a:rPr>
+                <a:t>1540 out of 2750 on the leaderboard for the challenge.</a:t>
+              </a:r>
+              <a:endParaRPr lang="en-US" sz="2400" dirty="0">
                 <a:latin typeface="Avenir Book"/>
                 <a:cs typeface="Avenir Book"/>
-              </a:rPr>
-              <a:t>All methods were cross validated using the training data. </a:t>
-            </a:r>
-            <a:r>
-              <a:rPr lang="en-US" sz="2400" dirty="0" err="1" smtClean="0">
-                <a:latin typeface="Avenir Book"/>
-                <a:cs typeface="Avenir Book"/>
-              </a:rPr>
-              <a:t>Quora</a:t>
-            </a:r>
-            <a:r>
-              <a:rPr lang="en-US" sz="2400" dirty="0" smtClean="0">
-                <a:latin typeface="Avenir Book"/>
-                <a:cs typeface="Avenir Book"/>
-              </a:rPr>
-              <a:t> also provides an unlabeled test set. The website accepts submissions of probabilities for each pair in the test set. </a:t>
-            </a:r>
-          </a:p>
-          <a:p>
-            <a:pPr>
-              <a:lnSpc>
-                <a:spcPct val="120000"/>
-              </a:lnSpc>
-            </a:pPr>
-            <a:r>
-              <a:rPr lang="en-US" sz="2400" dirty="0" smtClean="0">
-                <a:latin typeface="Avenir Book"/>
-                <a:cs typeface="Avenir Book"/>
-              </a:rPr>
-              <a:t>Submissions to </a:t>
-            </a:r>
-            <a:r>
-              <a:rPr lang="en-US" sz="2400" dirty="0" err="1" smtClean="0">
-                <a:latin typeface="Avenir Book"/>
-                <a:cs typeface="Avenir Book"/>
-              </a:rPr>
-              <a:t>Kaggle</a:t>
-            </a:r>
-            <a:r>
-              <a:rPr lang="en-US" sz="2400" dirty="0" smtClean="0">
-                <a:latin typeface="Avenir Book"/>
-                <a:cs typeface="Avenir Book"/>
-              </a:rPr>
-              <a:t> were scored with a log-loss score, penalizing incorrect guesses with higher certainty. </a:t>
-            </a:r>
-          </a:p>
-          <a:p>
-            <a:pPr>
-              <a:lnSpc>
-                <a:spcPct val="120000"/>
-              </a:lnSpc>
-            </a:pPr>
-            <a:r>
-              <a:rPr lang="en-US" sz="2400" dirty="0" smtClean="0">
-                <a:latin typeface="Avenir Book"/>
-                <a:cs typeface="Avenir Book"/>
-              </a:rPr>
-              <a:t>Our best method, \_\_\_\_, achieved a log-loss of \_\_\_\_, putting us at \_\_\_\_ on the leaderboard for the challenge.</a:t>
-            </a:r>
-            <a:endParaRPr lang="en-US" sz="2400" dirty="0">
-              <a:latin typeface="Avenir Book"/>
-              <a:cs typeface="Avenir Book"/>
-            </a:endParaRPr>
-          </a:p>
-        </p:txBody>
-      </p:sp>
+              </a:endParaRPr>
+            </a:p>
+          </p:txBody>
+        </p:sp>
+      </p:grpSp>
       <p:grpSp>
         <p:nvGrpSpPr>
           <p:cNvPr id="6" name="Group 5"/>
@@ -5274,6 +5251,1105 @@
           </p:txBody>
         </p:sp>
       </p:grpSp>
+      <p:grpSp>
+        <p:nvGrpSpPr>
+          <p:cNvPr id="9" name="Group 8"/>
+          <p:cNvGrpSpPr/>
+          <p:nvPr/>
+        </p:nvGrpSpPr>
+        <p:grpSpPr>
+          <a:xfrm>
+            <a:off x="25297207" y="6062717"/>
+            <a:ext cx="9541565" cy="4816254"/>
+            <a:chOff x="25314412" y="9339572"/>
+            <a:chExt cx="9541565" cy="4816254"/>
+          </a:xfrm>
+        </p:grpSpPr>
+        <p:sp>
+          <p:nvSpPr>
+            <p:cNvPr id="46" name="Rectangle 45"/>
+            <p:cNvSpPr/>
+            <p:nvPr/>
+          </p:nvSpPr>
+          <p:spPr>
+            <a:xfrm>
+              <a:off x="25314412" y="9339572"/>
+              <a:ext cx="9541565" cy="718073"/>
+            </a:xfrm>
+            <a:prstGeom prst="rect">
+              <a:avLst/>
+            </a:prstGeom>
+            <a:solidFill>
+              <a:srgbClr val="595959"/>
+            </a:solidFill>
+            <a:ln>
+              <a:noFill/>
+            </a:ln>
+          </p:spPr>
+          <p:style>
+            <a:lnRef idx="1">
+              <a:schemeClr val="accent1"/>
+            </a:lnRef>
+            <a:fillRef idx="3">
+              <a:schemeClr val="accent1"/>
+            </a:fillRef>
+            <a:effectRef idx="2">
+              <a:schemeClr val="accent1"/>
+            </a:effectRef>
+            <a:fontRef idx="minor">
+              <a:schemeClr val="lt1"/>
+            </a:fontRef>
+          </p:style>
+          <p:txBody>
+            <a:bodyPr lIns="86493" tIns="43247" rIns="86493" bIns="43247" rtlCol="0" anchor="ctr"/>
+            <a:lstStyle/>
+            <a:p>
+              <a:pPr algn="ctr"/>
+              <a:r>
+                <a:rPr lang="en-US" sz="3800" dirty="0" smtClean="0"/>
+                <a:t>Examples</a:t>
+              </a:r>
+              <a:endParaRPr lang="en-US" sz="3800" dirty="0"/>
+            </a:p>
+          </p:txBody>
+        </p:sp>
+        <p:sp>
+          <p:nvSpPr>
+            <p:cNvPr id="47" name="TextBox 46"/>
+            <p:cNvSpPr txBox="1"/>
+            <p:nvPr/>
+          </p:nvSpPr>
+          <p:spPr>
+            <a:xfrm>
+              <a:off x="25314412" y="10087020"/>
+              <a:ext cx="9524360" cy="4068806"/>
+            </a:xfrm>
+            <a:prstGeom prst="rect">
+              <a:avLst/>
+            </a:prstGeom>
+            <a:noFill/>
+          </p:spPr>
+          <p:txBody>
+            <a:bodyPr wrap="square" rtlCol="0">
+              <a:spAutoFit/>
+            </a:bodyPr>
+            <a:lstStyle/>
+            <a:p>
+              <a:pPr>
+                <a:lnSpc>
+                  <a:spcPct val="120000"/>
+                </a:lnSpc>
+              </a:pPr>
+              <a:r>
+                <a:rPr lang="en-US" sz="2400" dirty="0">
+                  <a:latin typeface="Avenir Book"/>
+                  <a:cs typeface="Avenir Book"/>
+                </a:rPr>
+                <a:t>"</a:t>
+              </a:r>
+              <a:r>
+                <a:rPr lang="en-US" sz="2400" dirty="0">
+                  <a:solidFill>
+                    <a:srgbClr val="4F6228"/>
+                  </a:solidFill>
+                  <a:latin typeface="Avenir Book"/>
+                  <a:cs typeface="Avenir Book"/>
+                </a:rPr>
+                <a:t>How do </a:t>
+              </a:r>
+              <a:r>
+                <a:rPr lang="en-US" sz="2400" dirty="0" err="1">
+                  <a:solidFill>
+                    <a:schemeClr val="accent2">
+                      <a:lumMod val="75000"/>
+                    </a:schemeClr>
+                  </a:solidFill>
+                  <a:latin typeface="Avenir Book"/>
+                  <a:cs typeface="Avenir Book"/>
+                </a:rPr>
+                <a:t>iPads</a:t>
+              </a:r>
+              <a:r>
+                <a:rPr lang="en-US" sz="2400" dirty="0">
+                  <a:latin typeface="Avenir Book"/>
+                  <a:cs typeface="Avenir Book"/>
+                </a:rPr>
+                <a:t> </a:t>
+              </a:r>
+              <a:r>
+                <a:rPr lang="en-US" sz="2400" dirty="0">
+                  <a:solidFill>
+                    <a:schemeClr val="accent3">
+                      <a:lumMod val="50000"/>
+                    </a:schemeClr>
+                  </a:solidFill>
+                  <a:latin typeface="Avenir Book"/>
+                  <a:cs typeface="Avenir Book"/>
+                </a:rPr>
+                <a:t>get</a:t>
+              </a:r>
+              <a:r>
+                <a:rPr lang="en-US" sz="2400" dirty="0">
+                  <a:latin typeface="Avenir Book"/>
+                  <a:cs typeface="Avenir Book"/>
+                </a:rPr>
+                <a:t> </a:t>
+              </a:r>
+              <a:r>
+                <a:rPr lang="en-US" sz="2400" dirty="0">
+                  <a:solidFill>
+                    <a:srgbClr val="4F6228"/>
+                  </a:solidFill>
+                  <a:latin typeface="Avenir Book"/>
+                  <a:cs typeface="Avenir Book"/>
+                </a:rPr>
+                <a:t>viruses</a:t>
+              </a:r>
+              <a:r>
+                <a:rPr lang="en-US" sz="2400" dirty="0">
+                  <a:latin typeface="Avenir Book"/>
+                  <a:cs typeface="Avenir Book"/>
+                </a:rPr>
+                <a:t>?”, vs. </a:t>
+              </a:r>
+            </a:p>
+            <a:p>
+              <a:pPr>
+                <a:lnSpc>
+                  <a:spcPct val="120000"/>
+                </a:lnSpc>
+              </a:pPr>
+              <a:r>
+                <a:rPr lang="en-US" sz="2400" dirty="0">
+                  <a:latin typeface="Avenir Book"/>
+                  <a:cs typeface="Avenir Book"/>
+                </a:rPr>
+                <a:t>"</a:t>
+              </a:r>
+              <a:r>
+                <a:rPr lang="en-US" sz="2400" dirty="0">
+                  <a:solidFill>
+                    <a:srgbClr val="4F6228"/>
+                  </a:solidFill>
+                  <a:latin typeface="Avenir Book"/>
+                  <a:cs typeface="Avenir Book"/>
+                </a:rPr>
+                <a:t>How do </a:t>
+              </a:r>
+              <a:r>
+                <a:rPr lang="en-US" sz="2400" dirty="0">
+                  <a:solidFill>
+                    <a:srgbClr val="953735"/>
+                  </a:solidFill>
+                  <a:latin typeface="Avenir Book"/>
+                  <a:cs typeface="Avenir Book"/>
+                </a:rPr>
+                <a:t>you</a:t>
+              </a:r>
+              <a:r>
+                <a:rPr lang="en-US" sz="2400" dirty="0">
+                  <a:latin typeface="Avenir Book"/>
+                  <a:cs typeface="Avenir Book"/>
+                </a:rPr>
+                <a:t> </a:t>
+              </a:r>
+              <a:r>
+                <a:rPr lang="en-US" sz="2400" dirty="0">
+                  <a:solidFill>
+                    <a:schemeClr val="accent3">
+                      <a:lumMod val="50000"/>
+                    </a:schemeClr>
+                  </a:solidFill>
+                  <a:latin typeface="Avenir Book"/>
+                  <a:cs typeface="Avenir Book"/>
+                </a:rPr>
+                <a:t>get</a:t>
+              </a:r>
+              <a:r>
+                <a:rPr lang="en-US" sz="2400" dirty="0">
+                  <a:latin typeface="Avenir Book"/>
+                  <a:cs typeface="Avenir Book"/>
+                </a:rPr>
+                <a:t> </a:t>
+              </a:r>
+              <a:r>
+                <a:rPr lang="en-US" sz="2400" dirty="0">
+                  <a:solidFill>
+                    <a:srgbClr val="953735"/>
+                  </a:solidFill>
+                  <a:latin typeface="Avenir Book"/>
+                  <a:cs typeface="Avenir Book"/>
+                </a:rPr>
+                <a:t>rid</a:t>
+              </a:r>
+              <a:r>
+                <a:rPr lang="en-US" sz="2400" dirty="0">
+                  <a:latin typeface="Avenir Book"/>
+                  <a:cs typeface="Avenir Book"/>
+                </a:rPr>
+                <a:t> of a </a:t>
+              </a:r>
+              <a:r>
+                <a:rPr lang="en-US" sz="2400" dirty="0">
+                  <a:solidFill>
+                    <a:srgbClr val="4F6228"/>
+                  </a:solidFill>
+                  <a:latin typeface="Avenir Book"/>
+                  <a:cs typeface="Avenir Book"/>
+                </a:rPr>
+                <a:t>virus</a:t>
+              </a:r>
+              <a:r>
+                <a:rPr lang="en-US" sz="2400" dirty="0">
+                  <a:latin typeface="Avenir Book"/>
+                  <a:cs typeface="Avenir Book"/>
+                </a:rPr>
+                <a:t> on an </a:t>
+              </a:r>
+              <a:r>
+                <a:rPr lang="en-US" sz="2400" dirty="0">
+                  <a:solidFill>
+                    <a:srgbClr val="953735"/>
+                  </a:solidFill>
+                  <a:latin typeface="Avenir Book"/>
+                  <a:cs typeface="Avenir Book"/>
+                </a:rPr>
+                <a:t>iPhone</a:t>
+              </a:r>
+              <a:r>
+                <a:rPr lang="en-US" sz="2400" dirty="0">
+                  <a:latin typeface="Avenir Book"/>
+                  <a:cs typeface="Avenir Book"/>
+                </a:rPr>
+                <a:t>?”</a:t>
+              </a:r>
+            </a:p>
+            <a:p>
+              <a:pPr>
+                <a:lnSpc>
+                  <a:spcPct val="120000"/>
+                </a:lnSpc>
+              </a:pPr>
+              <a:r>
+                <a:rPr lang="en-US" sz="2400" dirty="0">
+                  <a:latin typeface="Avenir Book"/>
+                  <a:cs typeface="Avenir Book"/>
+                </a:rPr>
+                <a:t>4 differences, 8 similarities, 4 stop words.</a:t>
+              </a:r>
+            </a:p>
+            <a:p>
+              <a:pPr>
+                <a:lnSpc>
+                  <a:spcPct val="120000"/>
+                </a:lnSpc>
+              </a:pPr>
+              <a:r>
+                <a:rPr lang="en-US" sz="2400" dirty="0">
+                  <a:latin typeface="Avenir Book"/>
+                  <a:cs typeface="Avenir Book"/>
+                </a:rPr>
+                <a:t>These are not duplicates.</a:t>
+              </a:r>
+            </a:p>
+            <a:p>
+              <a:pPr>
+                <a:lnSpc>
+                  <a:spcPct val="120000"/>
+                </a:lnSpc>
+              </a:pPr>
+              <a:endParaRPr lang="en-US" sz="2400" dirty="0">
+                <a:latin typeface="Avenir Book"/>
+                <a:cs typeface="Avenir Book"/>
+              </a:endParaRPr>
+            </a:p>
+            <a:p>
+              <a:pPr>
+                <a:lnSpc>
+                  <a:spcPct val="120000"/>
+                </a:lnSpc>
+              </a:pPr>
+              <a:r>
+                <a:rPr lang="en-US" sz="2400" dirty="0" smtClean="0"/>
+                <a:t>"</a:t>
+              </a:r>
+              <a:r>
+                <a:rPr lang="en-US" sz="2400" dirty="0" smtClean="0">
+                  <a:solidFill>
+                    <a:srgbClr val="4F6228"/>
+                  </a:solidFill>
+                </a:rPr>
+                <a:t>Who</a:t>
+              </a:r>
+              <a:r>
+                <a:rPr lang="en-US" sz="2400" dirty="0" smtClean="0"/>
+                <a:t> </a:t>
+              </a:r>
+              <a:r>
+                <a:rPr lang="en-US" sz="2400" dirty="0" smtClean="0">
+                  <a:solidFill>
+                    <a:srgbClr val="4F6228"/>
+                  </a:solidFill>
+                </a:rPr>
+                <a:t>is</a:t>
+              </a:r>
+              <a:r>
+                <a:rPr lang="en-US" sz="2400" dirty="0" smtClean="0"/>
+                <a:t> </a:t>
+              </a:r>
+              <a:r>
+                <a:rPr lang="en-US" sz="2400" dirty="0" smtClean="0">
+                  <a:solidFill>
+                    <a:schemeClr val="accent2">
+                      <a:lumMod val="75000"/>
+                    </a:schemeClr>
+                  </a:solidFill>
+                </a:rPr>
+                <a:t>your </a:t>
+              </a:r>
+              <a:r>
+                <a:rPr lang="en-US" sz="2400" dirty="0" err="1" smtClean="0">
+                  <a:solidFill>
+                    <a:schemeClr val="accent2">
+                      <a:lumMod val="75000"/>
+                    </a:schemeClr>
+                  </a:solidFill>
+                </a:rPr>
+                <a:t>favourite</a:t>
+              </a:r>
+              <a:r>
+                <a:rPr lang="en-US" sz="2400" dirty="0" smtClean="0">
+                  <a:solidFill>
+                    <a:schemeClr val="accent2">
+                      <a:lumMod val="75000"/>
+                    </a:schemeClr>
+                  </a:solidFill>
+                </a:rPr>
+                <a:t> </a:t>
+              </a:r>
+              <a:r>
+                <a:rPr lang="en-US" sz="2400" dirty="0" smtClean="0">
+                  <a:solidFill>
+                    <a:schemeClr val="accent3">
+                      <a:lumMod val="50000"/>
+                    </a:schemeClr>
+                  </a:solidFill>
+                </a:rPr>
+                <a:t>female movie director </a:t>
+              </a:r>
+              <a:r>
+                <a:rPr lang="en-US" sz="2400" dirty="0" smtClean="0"/>
+                <a:t>and </a:t>
+              </a:r>
+              <a:r>
+                <a:rPr lang="en-US" sz="2400" dirty="0" smtClean="0">
+                  <a:solidFill>
+                    <a:srgbClr val="953735"/>
+                  </a:solidFill>
+                </a:rPr>
+                <a:t>why</a:t>
+              </a:r>
+              <a:r>
+                <a:rPr lang="en-US" sz="2400" dirty="0" smtClean="0"/>
+                <a:t>?”, vs. "</a:t>
+              </a:r>
+              <a:r>
+                <a:rPr lang="en-US" sz="2400" dirty="0" smtClean="0">
+                  <a:solidFill>
+                    <a:srgbClr val="4F6228"/>
+                  </a:solidFill>
+                </a:rPr>
+                <a:t>Who</a:t>
+              </a:r>
+              <a:r>
+                <a:rPr lang="en-US" sz="2400" dirty="0" smtClean="0"/>
+                <a:t> </a:t>
+              </a:r>
+              <a:r>
+                <a:rPr lang="en-US" sz="2400" dirty="0" smtClean="0">
+                  <a:solidFill>
+                    <a:srgbClr val="4F6228"/>
+                  </a:solidFill>
+                </a:rPr>
+                <a:t>is</a:t>
+              </a:r>
+              <a:r>
+                <a:rPr lang="en-US" sz="2400" dirty="0" smtClean="0"/>
+                <a:t> the </a:t>
+              </a:r>
+              <a:r>
+                <a:rPr lang="en-US" sz="2400" dirty="0" smtClean="0">
+                  <a:solidFill>
+                    <a:srgbClr val="953735"/>
+                  </a:solidFill>
+                </a:rPr>
+                <a:t>best</a:t>
+              </a:r>
+              <a:r>
+                <a:rPr lang="en-US" sz="2400" dirty="0" smtClean="0"/>
+                <a:t> </a:t>
+              </a:r>
+              <a:r>
+                <a:rPr lang="en-US" sz="2400" dirty="0" smtClean="0">
+                  <a:solidFill>
+                    <a:srgbClr val="4F6228"/>
+                  </a:solidFill>
+                </a:rPr>
+                <a:t>female movie director</a:t>
+              </a:r>
+              <a:r>
+                <a:rPr lang="en-US" sz="2400" dirty="0" smtClean="0"/>
+                <a:t>?”</a:t>
+              </a:r>
+              <a:endParaRPr lang="en-US" sz="2400" dirty="0" smtClean="0">
+                <a:latin typeface="Avenir Book"/>
+                <a:cs typeface="Avenir Book"/>
+              </a:endParaRPr>
+            </a:p>
+            <a:p>
+              <a:pPr>
+                <a:lnSpc>
+                  <a:spcPct val="120000"/>
+                </a:lnSpc>
+              </a:pPr>
+              <a:r>
+                <a:rPr lang="en-US" sz="2400" dirty="0" smtClean="0">
+                  <a:latin typeface="Avenir Book"/>
+                  <a:cs typeface="Avenir Book"/>
+                </a:rPr>
+                <a:t>4 </a:t>
+              </a:r>
+              <a:r>
+                <a:rPr lang="en-US" sz="2400" dirty="0">
+                  <a:latin typeface="Avenir Book"/>
+                  <a:cs typeface="Avenir Book"/>
+                </a:rPr>
+                <a:t>differences, 10 words in common, 2 stop words.</a:t>
+              </a:r>
+            </a:p>
+            <a:p>
+              <a:pPr>
+                <a:lnSpc>
+                  <a:spcPct val="120000"/>
+                </a:lnSpc>
+              </a:pPr>
+              <a:r>
+                <a:rPr lang="en-US" sz="2400" dirty="0">
+                  <a:latin typeface="Avenir Book"/>
+                  <a:cs typeface="Avenir Book"/>
+                </a:rPr>
+                <a:t>These </a:t>
+              </a:r>
+              <a:r>
+                <a:rPr lang="en-US" sz="2400" dirty="0" smtClean="0">
+                  <a:latin typeface="Avenir Book"/>
+                  <a:cs typeface="Avenir Book"/>
+                </a:rPr>
+                <a:t>are duplicates</a:t>
+              </a:r>
+              <a:r>
+                <a:rPr lang="en-US" sz="2400" dirty="0">
+                  <a:latin typeface="Avenir Book"/>
+                  <a:cs typeface="Avenir Book"/>
+                </a:rPr>
+                <a:t>.</a:t>
+              </a:r>
+              <a:endParaRPr lang="en-US" sz="2400" dirty="0">
+                <a:latin typeface="Avenir Book"/>
+                <a:cs typeface="Avenir Book"/>
+              </a:endParaRPr>
+            </a:p>
+          </p:txBody>
+        </p:sp>
+      </p:grpSp>
+      <p:graphicFrame>
+        <p:nvGraphicFramePr>
+          <p:cNvPr id="18" name="Table 17"/>
+          <p:cNvGraphicFramePr>
+            <a:graphicFrameLocks noGrp="1"/>
+          </p:cNvGraphicFramePr>
+          <p:nvPr>
+            <p:extLst>
+              <p:ext uri="{D42A27DB-BD31-4B8C-83A1-F6EECF244321}">
+                <p14:modId xmlns:p14="http://schemas.microsoft.com/office/powerpoint/2010/main" val="3451722166"/>
+              </p:ext>
+            </p:extLst>
+          </p:nvPr>
+        </p:nvGraphicFramePr>
+        <p:xfrm>
+          <a:off x="13272186" y="24488819"/>
+          <a:ext cx="9354296" cy="1828800"/>
+        </p:xfrm>
+        <a:graphic>
+          <a:graphicData uri="http://schemas.openxmlformats.org/drawingml/2006/table">
+            <a:tbl>
+              <a:tblPr>
+                <a:tableStyleId>{2D5ABB26-0587-4C30-8999-92F81FD0307C}</a:tableStyleId>
+              </a:tblPr>
+              <a:tblGrid>
+                <a:gridCol w="1668030"/>
+                <a:gridCol w="2073689"/>
+                <a:gridCol w="1870860"/>
+                <a:gridCol w="1612237"/>
+                <a:gridCol w="2129480"/>
+              </a:tblGrid>
+              <a:tr h="370840">
+                <a:tc>
+                  <a:txBody>
+                    <a:bodyPr/>
+                    <a:lstStyle/>
+                    <a:p>
+                      <a:pPr algn="ctr"/>
+                      <a:endParaRPr lang="en-US" sz="2400" dirty="0">
+                        <a:latin typeface="Avenir Book"/>
+                        <a:cs typeface="Avenir Book"/>
+                      </a:endParaRPr>
+                    </a:p>
+                  </a:txBody>
+                  <a:tcPr/>
+                </a:tc>
+                <a:tc>
+                  <a:txBody>
+                    <a:bodyPr/>
+                    <a:lstStyle/>
+                    <a:p>
+                      <a:pPr algn="ctr"/>
+                      <a:r>
+                        <a:rPr lang="en-US" sz="2400" b="1" dirty="0" smtClean="0">
+                          <a:latin typeface="Avenir Book"/>
+                          <a:cs typeface="Avenir Book"/>
+                        </a:rPr>
+                        <a:t>MNB</a:t>
+                      </a:r>
+                      <a:endParaRPr lang="en-US" sz="2400" b="1" dirty="0">
+                        <a:latin typeface="Avenir Book"/>
+                        <a:cs typeface="Avenir Book"/>
+                      </a:endParaRPr>
+                    </a:p>
+                  </a:txBody>
+                  <a:tcPr/>
+                </a:tc>
+                <a:tc>
+                  <a:txBody>
+                    <a:bodyPr/>
+                    <a:lstStyle/>
+                    <a:p>
+                      <a:pPr algn="ctr"/>
+                      <a:r>
+                        <a:rPr lang="en-US" sz="2400" b="1" dirty="0" smtClean="0">
+                          <a:latin typeface="Avenir Book"/>
+                          <a:cs typeface="Avenir Book"/>
+                        </a:rPr>
+                        <a:t>SGD</a:t>
+                      </a:r>
+                      <a:endParaRPr lang="en-US" sz="2400" b="1" dirty="0">
+                        <a:latin typeface="Avenir Book"/>
+                        <a:cs typeface="Avenir Book"/>
+                      </a:endParaRPr>
+                    </a:p>
+                  </a:txBody>
+                  <a:tcPr/>
+                </a:tc>
+                <a:tc>
+                  <a:txBody>
+                    <a:bodyPr/>
+                    <a:lstStyle/>
+                    <a:p>
+                      <a:pPr algn="ctr"/>
+                      <a:r>
+                        <a:rPr lang="en-US" sz="2400" b="1" dirty="0" err="1" smtClean="0">
+                          <a:latin typeface="Avenir Book"/>
+                          <a:cs typeface="Avenir Book"/>
+                        </a:rPr>
+                        <a:t>LogReg</a:t>
+                      </a:r>
+                      <a:endParaRPr lang="en-US" sz="2400" b="1" dirty="0">
+                        <a:latin typeface="Avenir Book"/>
+                        <a:cs typeface="Avenir Book"/>
+                      </a:endParaRPr>
+                    </a:p>
+                  </a:txBody>
+                  <a:tcPr/>
+                </a:tc>
+                <a:tc>
+                  <a:txBody>
+                    <a:bodyPr/>
+                    <a:lstStyle/>
+                    <a:p>
+                      <a:pPr algn="ctr"/>
+                      <a:r>
+                        <a:rPr lang="en-US" sz="2400" b="1" dirty="0" err="1" smtClean="0">
+                          <a:latin typeface="Avenir Book"/>
+                          <a:cs typeface="Avenir Book"/>
+                        </a:rPr>
+                        <a:t>RandForest</a:t>
+                      </a:r>
+                      <a:endParaRPr lang="en-US" sz="2400" b="1" dirty="0">
+                        <a:latin typeface="Avenir Book"/>
+                        <a:cs typeface="Avenir Book"/>
+                      </a:endParaRPr>
+                    </a:p>
+                  </a:txBody>
+                  <a:tcPr/>
+                </a:tc>
+              </a:tr>
+              <a:tr h="370840">
+                <a:tc>
+                  <a:txBody>
+                    <a:bodyPr/>
+                    <a:lstStyle/>
+                    <a:p>
+                      <a:r>
+                        <a:rPr lang="en-US" sz="2400" dirty="0" smtClean="0">
+                          <a:latin typeface="Avenir Book"/>
+                          <a:cs typeface="Avenir Book"/>
+                        </a:rPr>
+                        <a:t>Method 1</a:t>
+                      </a:r>
+                      <a:endParaRPr lang="en-US" sz="2400" dirty="0">
+                        <a:latin typeface="Avenir Book"/>
+                        <a:cs typeface="Avenir Book"/>
+                      </a:endParaRPr>
+                    </a:p>
+                  </a:txBody>
+                  <a:tcPr/>
+                </a:tc>
+                <a:tc>
+                  <a:txBody>
+                    <a:bodyPr/>
+                    <a:lstStyle/>
+                    <a:p>
+                      <a:pPr algn="ctr"/>
+                      <a:r>
+                        <a:rPr lang="mr-IN" sz="2400" dirty="0" smtClean="0">
+                          <a:latin typeface="Avenir Book"/>
+                          <a:cs typeface="Avenir Book"/>
+                        </a:rPr>
+                        <a:t>0.96641</a:t>
+                      </a:r>
+                      <a:endParaRPr lang="en-US" sz="2400" dirty="0">
+                        <a:latin typeface="Avenir Book"/>
+                        <a:cs typeface="Avenir Book"/>
+                      </a:endParaRPr>
+                    </a:p>
+                  </a:txBody>
+                  <a:tcPr/>
+                </a:tc>
+                <a:tc>
+                  <a:txBody>
+                    <a:bodyPr/>
+                    <a:lstStyle/>
+                    <a:p>
+                      <a:pPr algn="ctr"/>
+                      <a:r>
+                        <a:rPr lang="is-IS" sz="2400" dirty="0" smtClean="0">
+                          <a:latin typeface="Avenir Book"/>
+                          <a:cs typeface="Avenir Book"/>
+                        </a:rPr>
+                        <a:t>0.55215</a:t>
+                      </a:r>
+                      <a:endParaRPr lang="en-US" sz="2400" dirty="0">
+                        <a:latin typeface="Avenir Book"/>
+                        <a:cs typeface="Avenir Book"/>
+                      </a:endParaRPr>
+                    </a:p>
+                  </a:txBody>
+                  <a:tcPr/>
+                </a:tc>
+                <a:tc>
+                  <a:txBody>
+                    <a:bodyPr/>
+                    <a:lstStyle/>
+                    <a:p>
+                      <a:pPr algn="ctr"/>
+                      <a:r>
+                        <a:rPr lang="nb-NO" sz="2400" dirty="0" smtClean="0">
+                          <a:latin typeface="Avenir Book"/>
+                          <a:cs typeface="Avenir Book"/>
+                        </a:rPr>
+                        <a:t>0.54342</a:t>
+                      </a:r>
+                      <a:endParaRPr lang="en-US" sz="2400" b="1" dirty="0">
+                        <a:latin typeface="Avenir Book"/>
+                        <a:cs typeface="Avenir Book"/>
+                      </a:endParaRPr>
+                    </a:p>
+                  </a:txBody>
+                  <a:tcPr/>
+                </a:tc>
+                <a:tc>
+                  <a:txBody>
+                    <a:bodyPr/>
+                    <a:lstStyle/>
+                    <a:p>
+                      <a:pPr algn="ctr"/>
+                      <a:r>
+                        <a:rPr lang="nb-NO" sz="2400" b="1" dirty="0" smtClean="0">
+                          <a:latin typeface="Avenir Book"/>
+                          <a:cs typeface="Avenir Book"/>
+                        </a:rPr>
+                        <a:t>0.49019</a:t>
+                      </a:r>
+                      <a:endParaRPr lang="en-US" sz="2400" dirty="0">
+                        <a:latin typeface="Avenir Book"/>
+                        <a:cs typeface="Avenir Book"/>
+                      </a:endParaRPr>
+                    </a:p>
+                  </a:txBody>
+                  <a:tcPr/>
+                </a:tc>
+              </a:tr>
+              <a:tr h="370840">
+                <a:tc>
+                  <a:txBody>
+                    <a:bodyPr/>
+                    <a:lstStyle/>
+                    <a:p>
+                      <a:r>
+                        <a:rPr lang="en-US" sz="2400" dirty="0" smtClean="0">
+                          <a:latin typeface="Avenir Book"/>
+                          <a:cs typeface="Avenir Book"/>
+                        </a:rPr>
+                        <a:t>Method 2</a:t>
+                      </a:r>
+                      <a:endParaRPr lang="en-US" sz="2400" dirty="0">
+                        <a:latin typeface="Avenir Book"/>
+                        <a:cs typeface="Avenir Book"/>
+                      </a:endParaRPr>
+                    </a:p>
+                  </a:txBody>
+                  <a:tcPr/>
+                </a:tc>
+                <a:tc>
+                  <a:txBody>
+                    <a:bodyPr/>
+                    <a:lstStyle/>
+                    <a:p>
+                      <a:pPr marL="0" marR="0" indent="0" algn="ctr" defTabSz="1890016" rtl="0" eaLnBrk="1" fontAlgn="auto" latinLnBrk="0" hangingPunct="1">
+                        <a:lnSpc>
+                          <a:spcPct val="100000"/>
+                        </a:lnSpc>
+                        <a:spcBef>
+                          <a:spcPts val="0"/>
+                        </a:spcBef>
+                        <a:spcAft>
+                          <a:spcPts val="0"/>
+                        </a:spcAft>
+                        <a:buClrTx/>
+                        <a:buSzTx/>
+                        <a:buFontTx/>
+                        <a:buNone/>
+                        <a:tabLst/>
+                        <a:defRPr/>
+                      </a:pPr>
+                      <a:r>
+                        <a:rPr lang="nb-NO" sz="2400" dirty="0" smtClean="0">
+                          <a:latin typeface="Avenir Book"/>
+                          <a:cs typeface="Avenir Book"/>
+                        </a:rPr>
+                        <a:t>0.51773</a:t>
+                      </a:r>
+                      <a:endParaRPr lang="en-US" sz="2400" dirty="0" smtClean="0">
+                        <a:latin typeface="Avenir Book"/>
+                        <a:cs typeface="Avenir Book"/>
+                      </a:endParaRPr>
+                    </a:p>
+                  </a:txBody>
+                  <a:tcPr/>
+                </a:tc>
+                <a:tc>
+                  <a:txBody>
+                    <a:bodyPr/>
+                    <a:lstStyle/>
+                    <a:p>
+                      <a:pPr marL="0" marR="0" indent="0" algn="ctr" defTabSz="1890016" rtl="0" eaLnBrk="1" fontAlgn="auto" latinLnBrk="0" hangingPunct="1">
+                        <a:lnSpc>
+                          <a:spcPct val="100000"/>
+                        </a:lnSpc>
+                        <a:spcBef>
+                          <a:spcPts val="0"/>
+                        </a:spcBef>
+                        <a:spcAft>
+                          <a:spcPts val="0"/>
+                        </a:spcAft>
+                        <a:buClrTx/>
+                        <a:buSzTx/>
+                        <a:buFontTx/>
+                        <a:buNone/>
+                        <a:tabLst/>
+                        <a:defRPr/>
+                      </a:pPr>
+                      <a:r>
+                        <a:rPr lang="nb-NO" sz="2400" dirty="0" smtClean="0">
+                          <a:latin typeface="Avenir Book"/>
+                          <a:cs typeface="Avenir Book"/>
+                        </a:rPr>
+                        <a:t>0.46103</a:t>
+                      </a:r>
+                      <a:endParaRPr lang="en-US" sz="2400" dirty="0" smtClean="0">
+                        <a:latin typeface="Avenir Book"/>
+                        <a:cs typeface="Avenir Book"/>
+                      </a:endParaRPr>
+                    </a:p>
+                  </a:txBody>
+                  <a:tcPr/>
+                </a:tc>
+                <a:tc>
+                  <a:txBody>
+                    <a:bodyPr/>
+                    <a:lstStyle/>
+                    <a:p>
+                      <a:pPr marL="0" marR="0" indent="0" algn="ctr" defTabSz="1890016" rtl="0" eaLnBrk="1" fontAlgn="auto" latinLnBrk="0" hangingPunct="1">
+                        <a:lnSpc>
+                          <a:spcPct val="100000"/>
+                        </a:lnSpc>
+                        <a:spcBef>
+                          <a:spcPts val="0"/>
+                        </a:spcBef>
+                        <a:spcAft>
+                          <a:spcPts val="0"/>
+                        </a:spcAft>
+                        <a:buClrTx/>
+                        <a:buSzTx/>
+                        <a:buFontTx/>
+                        <a:buNone/>
+                        <a:tabLst/>
+                        <a:defRPr/>
+                      </a:pPr>
+                      <a:r>
+                        <a:rPr lang="cs-CZ" sz="2400" b="1" dirty="0" smtClean="0">
+                          <a:latin typeface="Avenir Book"/>
+                          <a:cs typeface="Avenir Book"/>
+                        </a:rPr>
+                        <a:t>0.41490</a:t>
+                      </a:r>
+                      <a:endParaRPr lang="en-US" sz="2400" b="1" dirty="0" smtClean="0">
+                        <a:latin typeface="Avenir Book"/>
+                        <a:cs typeface="Avenir Book"/>
+                      </a:endParaRPr>
+                    </a:p>
+                  </a:txBody>
+                  <a:tcPr/>
+                </a:tc>
+                <a:tc>
+                  <a:txBody>
+                    <a:bodyPr/>
+                    <a:lstStyle/>
+                    <a:p>
+                      <a:pPr marL="0" marR="0" indent="0" algn="ctr" defTabSz="1890016" rtl="0" eaLnBrk="1" fontAlgn="auto" latinLnBrk="0" hangingPunct="1">
+                        <a:lnSpc>
+                          <a:spcPct val="100000"/>
+                        </a:lnSpc>
+                        <a:spcBef>
+                          <a:spcPts val="0"/>
+                        </a:spcBef>
+                        <a:spcAft>
+                          <a:spcPts val="0"/>
+                        </a:spcAft>
+                        <a:buClrTx/>
+                        <a:buSzTx/>
+                        <a:buFontTx/>
+                        <a:buNone/>
+                        <a:tabLst/>
+                        <a:defRPr/>
+                      </a:pPr>
+                      <a:r>
+                        <a:rPr lang="nb-NO" sz="2400" dirty="0" smtClean="0">
+                          <a:latin typeface="Avenir Book"/>
+                          <a:cs typeface="Avenir Book"/>
+                        </a:rPr>
+                        <a:t>0.61665</a:t>
+                      </a:r>
+                      <a:endParaRPr lang="en-US" sz="2400" dirty="0" smtClean="0">
+                        <a:latin typeface="Avenir Book"/>
+                        <a:cs typeface="Avenir Book"/>
+                      </a:endParaRPr>
+                    </a:p>
+                  </a:txBody>
+                  <a:tcPr/>
+                </a:tc>
+              </a:tr>
+              <a:tr h="370840">
+                <a:tc>
+                  <a:txBody>
+                    <a:bodyPr/>
+                    <a:lstStyle/>
+                    <a:p>
+                      <a:r>
+                        <a:rPr lang="en-US" sz="2400" dirty="0" smtClean="0">
+                          <a:latin typeface="Avenir Book"/>
+                          <a:cs typeface="Avenir Book"/>
+                        </a:rPr>
+                        <a:t>M 2, </a:t>
+                      </a:r>
+                      <a:r>
+                        <a:rPr lang="en-US" sz="2400" dirty="0" err="1" smtClean="0">
+                          <a:latin typeface="Avenir Book"/>
+                          <a:cs typeface="Avenir Book"/>
+                        </a:rPr>
+                        <a:t>tf-idf</a:t>
+                      </a:r>
+                      <a:endParaRPr lang="en-US" sz="2400" dirty="0">
+                        <a:latin typeface="Avenir Book"/>
+                        <a:cs typeface="Avenir Book"/>
+                      </a:endParaRPr>
+                    </a:p>
+                  </a:txBody>
+                  <a:tcPr/>
+                </a:tc>
+                <a:tc>
+                  <a:txBody>
+                    <a:bodyPr/>
+                    <a:lstStyle/>
+                    <a:p>
+                      <a:pPr marL="0" marR="0" indent="0" algn="ctr" defTabSz="1890016" rtl="0" eaLnBrk="1" fontAlgn="auto" latinLnBrk="0" hangingPunct="1">
+                        <a:lnSpc>
+                          <a:spcPct val="100000"/>
+                        </a:lnSpc>
+                        <a:spcBef>
+                          <a:spcPts val="0"/>
+                        </a:spcBef>
+                        <a:spcAft>
+                          <a:spcPts val="0"/>
+                        </a:spcAft>
+                        <a:buClrTx/>
+                        <a:buSzTx/>
+                        <a:buFontTx/>
+                        <a:buNone/>
+                        <a:tabLst/>
+                        <a:defRPr/>
+                      </a:pPr>
+                      <a:r>
+                        <a:rPr lang="nb-NO" sz="2400" dirty="0" smtClean="0">
+                          <a:latin typeface="Avenir Book"/>
+                          <a:cs typeface="Avenir Book"/>
+                        </a:rPr>
+                        <a:t>0.45464</a:t>
+                      </a:r>
+                      <a:endParaRPr lang="en-US" sz="2400" dirty="0" smtClean="0">
+                        <a:latin typeface="Avenir Book"/>
+                        <a:cs typeface="Avenir Book"/>
+                      </a:endParaRPr>
+                    </a:p>
+                  </a:txBody>
+                  <a:tcPr/>
+                </a:tc>
+                <a:tc>
+                  <a:txBody>
+                    <a:bodyPr/>
+                    <a:lstStyle/>
+                    <a:p>
+                      <a:pPr marL="0" marR="0" indent="0" algn="ctr" defTabSz="1890016" rtl="0" eaLnBrk="1" fontAlgn="auto" latinLnBrk="0" hangingPunct="1">
+                        <a:lnSpc>
+                          <a:spcPct val="100000"/>
+                        </a:lnSpc>
+                        <a:spcBef>
+                          <a:spcPts val="0"/>
+                        </a:spcBef>
+                        <a:spcAft>
+                          <a:spcPts val="0"/>
+                        </a:spcAft>
+                        <a:buClrTx/>
+                        <a:buSzTx/>
+                        <a:buFontTx/>
+                        <a:buNone/>
+                        <a:tabLst/>
+                        <a:defRPr/>
+                      </a:pPr>
+                      <a:r>
+                        <a:rPr lang="nb-NO" sz="2400" dirty="0" smtClean="0">
+                          <a:latin typeface="Avenir Book"/>
+                          <a:cs typeface="Avenir Book"/>
+                        </a:rPr>
+                        <a:t>0.52297</a:t>
+                      </a:r>
+                      <a:endParaRPr lang="en-US" sz="2400" dirty="0" smtClean="0">
+                        <a:latin typeface="Avenir Book"/>
+                        <a:cs typeface="Avenir Book"/>
+                      </a:endParaRPr>
+                    </a:p>
+                  </a:txBody>
+                  <a:tcPr/>
+                </a:tc>
+                <a:tc>
+                  <a:txBody>
+                    <a:bodyPr/>
+                    <a:lstStyle/>
+                    <a:p>
+                      <a:pPr marL="0" marR="0" indent="0" algn="ctr" defTabSz="1890016" rtl="0" eaLnBrk="1" fontAlgn="auto" latinLnBrk="0" hangingPunct="1">
+                        <a:lnSpc>
+                          <a:spcPct val="100000"/>
+                        </a:lnSpc>
+                        <a:spcBef>
+                          <a:spcPts val="0"/>
+                        </a:spcBef>
+                        <a:spcAft>
+                          <a:spcPts val="0"/>
+                        </a:spcAft>
+                        <a:buClrTx/>
+                        <a:buSzTx/>
+                        <a:buFontTx/>
+                        <a:buNone/>
+                        <a:tabLst/>
+                        <a:defRPr/>
+                      </a:pPr>
+                      <a:r>
+                        <a:rPr lang="nb-NO" sz="2400" b="1" dirty="0" smtClean="0">
+                          <a:latin typeface="Avenir Book"/>
+                          <a:cs typeface="Avenir Book"/>
+                        </a:rPr>
+                        <a:t>0.42771</a:t>
+                      </a:r>
+                      <a:endParaRPr lang="en-US" sz="2400" b="1" dirty="0" smtClean="0">
+                        <a:latin typeface="Avenir Book"/>
+                        <a:cs typeface="Avenir Book"/>
+                      </a:endParaRPr>
+                    </a:p>
+                  </a:txBody>
+                  <a:tcPr/>
+                </a:tc>
+                <a:tc>
+                  <a:txBody>
+                    <a:bodyPr/>
+                    <a:lstStyle/>
+                    <a:p>
+                      <a:pPr marL="0" marR="0" indent="0" algn="ctr" defTabSz="1890016" rtl="0" eaLnBrk="1" fontAlgn="auto" latinLnBrk="0" hangingPunct="1">
+                        <a:lnSpc>
+                          <a:spcPct val="100000"/>
+                        </a:lnSpc>
+                        <a:spcBef>
+                          <a:spcPts val="0"/>
+                        </a:spcBef>
+                        <a:spcAft>
+                          <a:spcPts val="0"/>
+                        </a:spcAft>
+                        <a:buClrTx/>
+                        <a:buSzTx/>
+                        <a:buFontTx/>
+                        <a:buNone/>
+                        <a:tabLst/>
+                        <a:defRPr/>
+                      </a:pPr>
+                      <a:r>
+                        <a:rPr lang="nb-NO" sz="2400" dirty="0" smtClean="0">
+                          <a:latin typeface="Avenir Book"/>
+                          <a:cs typeface="Avenir Book"/>
+                        </a:rPr>
+                        <a:t>0.60837</a:t>
+                      </a:r>
+                      <a:endParaRPr lang="en-US" sz="2400" dirty="0" smtClean="0">
+                        <a:latin typeface="Avenir Book"/>
+                        <a:cs typeface="Avenir Book"/>
+                      </a:endParaRPr>
+                    </a:p>
+                  </a:txBody>
+                  <a:tcPr/>
+                </a:tc>
+              </a:tr>
+            </a:tbl>
+          </a:graphicData>
+        </a:graphic>
+      </p:graphicFrame>
       <p:sp>
         <p:nvSpPr>
           <p:cNvPr id="40" name="TextBox 39"/>
@@ -5282,8 +6358,8 @@
         </p:nvSpPr>
         <p:spPr>
           <a:xfrm>
-            <a:off x="12433257" y="12097946"/>
-            <a:ext cx="11709485" cy="523220"/>
+            <a:off x="12433257" y="11223064"/>
+            <a:ext cx="11709485" cy="966418"/>
           </a:xfrm>
           <a:prstGeom prst="rect">
             <a:avLst/>
@@ -5320,25 +6396,21 @@
                 <a:latin typeface="Avenir Book"/>
                 <a:cs typeface="Avenir Book"/>
               </a:rPr>
-              <a:t> Word Counts</a:t>
-            </a:r>
-            <a:endParaRPr lang="en-US" sz="2400" dirty="0">
-              <a:latin typeface="Avenir Book"/>
-              <a:cs typeface="Avenir Book"/>
-            </a:endParaRPr>
-          </a:p>
-        </p:txBody>
-      </p:sp>
-      <p:sp>
-        <p:nvSpPr>
-          <p:cNvPr id="41" name="TextBox 40"/>
+              <a:t> Word Counts: Only count the number of differences and the number of similarities.</a:t>
+            </a:r>
+          </a:p>
+        </p:txBody>
+      </p:sp>
+      <p:sp>
+        <p:nvSpPr>
+          <p:cNvPr id="62" name="TextBox 61"/>
           <p:cNvSpPr txBox="1"/>
           <p:nvPr/>
         </p:nvSpPr>
         <p:spPr>
           <a:xfrm>
-            <a:off x="12433257" y="18963168"/>
-            <a:ext cx="11709485" cy="523220"/>
+            <a:off x="12433257" y="17543548"/>
+            <a:ext cx="11709485" cy="966418"/>
           </a:xfrm>
           <a:prstGeom prst="rect">
             <a:avLst/>
@@ -5361,7 +6433,7 @@
                 <a:latin typeface="Avenir Book"/>
                 <a:cs typeface="Avenir Book"/>
               </a:rPr>
-              <a:t>Method 1 </a:t>
+              <a:t>Method 2 </a:t>
             </a:r>
             <a:r>
               <a:rPr lang="mr-IN" sz="2400" dirty="0" smtClean="0">
@@ -5375,12 +6447,112 @@
                 <a:latin typeface="Avenir Book"/>
                 <a:cs typeface="Avenir Book"/>
               </a:rPr>
-              <a:t> Word Counts</a:t>
-            </a:r>
-            <a:endParaRPr lang="en-US" sz="2400" dirty="0">
-              <a:latin typeface="Avenir Book"/>
-              <a:cs typeface="Avenir Book"/>
-            </a:endParaRPr>
+              <a:t> Bag of Words: Allow weights to be aware of word identities, but not how different words are related.</a:t>
+            </a:r>
+          </a:p>
+        </p:txBody>
+      </p:sp>
+      <p:pic>
+        <p:nvPicPr>
+          <p:cNvPr id="63" name="Picture 62" descr="roc_wc.pdf"/>
+          <p:cNvPicPr>
+            <a:picLocks noChangeAspect="1"/>
+          </p:cNvPicPr>
+          <p:nvPr/>
+        </p:nvPicPr>
+        <p:blipFill>
+          <a:blip r:embed="rId4">
+            <a:extLst>
+              <a:ext uri="{28A0092B-C50C-407E-A947-70E740481C1C}">
+                <a14:useLocalDpi xmlns:a14="http://schemas.microsoft.com/office/drawing/2010/main" val="0"/>
+              </a:ext>
+            </a:extLst>
+          </a:blip>
+          <a:stretch>
+            <a:fillRect/>
+          </a:stretch>
+        </p:blipFill>
+        <p:spPr>
+          <a:xfrm>
+            <a:off x="14324141" y="12117730"/>
+            <a:ext cx="8151572" cy="5434381"/>
+          </a:xfrm>
+          <a:prstGeom prst="rect">
+            <a:avLst/>
+          </a:prstGeom>
+        </p:spPr>
+      </p:pic>
+      <p:pic>
+        <p:nvPicPr>
+          <p:cNvPr id="64" name="Picture 63" descr="roc.pdf"/>
+          <p:cNvPicPr>
+            <a:picLocks noChangeAspect="1"/>
+          </p:cNvPicPr>
+          <p:nvPr/>
+        </p:nvPicPr>
+        <p:blipFill>
+          <a:blip r:embed="rId5">
+            <a:extLst>
+              <a:ext uri="{28A0092B-C50C-407E-A947-70E740481C1C}">
+                <a14:useLocalDpi xmlns:a14="http://schemas.microsoft.com/office/drawing/2010/main" val="0"/>
+              </a:ext>
+            </a:extLst>
+          </a:blip>
+          <a:stretch>
+            <a:fillRect/>
+          </a:stretch>
+        </p:blipFill>
+        <p:spPr>
+          <a:xfrm>
+            <a:off x="14324141" y="18465183"/>
+            <a:ext cx="8151572" cy="5434381"/>
+          </a:xfrm>
+          <a:prstGeom prst="rect">
+            <a:avLst/>
+          </a:prstGeom>
+        </p:spPr>
+      </p:pic>
+      <p:sp>
+        <p:nvSpPr>
+          <p:cNvPr id="66" name="TextBox 65"/>
+          <p:cNvSpPr txBox="1"/>
+          <p:nvPr/>
+        </p:nvSpPr>
+        <p:spPr>
+          <a:xfrm>
+            <a:off x="12433258" y="23853237"/>
+            <a:ext cx="5516076" cy="615285"/>
+          </a:xfrm>
+          <a:prstGeom prst="rect">
+            <a:avLst/>
+          </a:prstGeom>
+          <a:noFill/>
+        </p:spPr>
+        <p:txBody>
+          <a:bodyPr wrap="square" rtlCol="0">
+            <a:spAutoFit/>
+          </a:bodyPr>
+          <a:lstStyle/>
+          <a:p>
+            <a:pPr>
+              <a:lnSpc>
+                <a:spcPct val="120000"/>
+              </a:lnSpc>
+            </a:pPr>
+            <a:r>
+              <a:rPr lang="en-US" sz="2800" b="1" u="sng" dirty="0" smtClean="0">
+                <a:latin typeface="Avenir Book"/>
+                <a:cs typeface="Avenir Book"/>
+              </a:rPr>
+              <a:t>Log Loss </a:t>
+            </a:r>
+            <a:r>
+              <a:rPr lang="en-US" sz="2800" u="sng" dirty="0" smtClean="0">
+                <a:latin typeface="Avenir Book"/>
+                <a:cs typeface="Avenir Book"/>
+              </a:rPr>
+              <a:t>scores on training data:</a:t>
+            </a:r>
           </a:p>
         </p:txBody>
       </p:sp>
